--- a/argentina_analysis_presentation.pptx
+++ b/argentina_analysis_presentation.pptx
@@ -3198,7 +3198,7 @@
         </p:blipFill>
         <p:spPr>
           <a:xfrm>
-            <a:off x="914400" y="1371600"/>
+            <a:off x="-457200" y="1371600"/>
             <a:ext cx="10058400" cy="5029200"/>
           </a:xfrm>
           <a:prstGeom prst="rect">
@@ -3261,7 +3261,7 @@
         </p:blipFill>
         <p:spPr>
           <a:xfrm>
-            <a:off x="914400" y="1371600"/>
+            <a:off x="-457200" y="1371600"/>
             <a:ext cx="10058400" cy="5029200"/>
           </a:xfrm>
           <a:prstGeom prst="rect">
@@ -3324,7 +3324,7 @@
         </p:blipFill>
         <p:spPr>
           <a:xfrm>
-            <a:off x="914400" y="1371600"/>
+            <a:off x="-457200" y="1371600"/>
             <a:ext cx="10058400" cy="5029200"/>
           </a:xfrm>
           <a:prstGeom prst="rect">
@@ -3387,7 +3387,7 @@
         </p:blipFill>
         <p:spPr>
           <a:xfrm>
-            <a:off x="914400" y="1371600"/>
+            <a:off x="-457200" y="1371600"/>
             <a:ext cx="10058400" cy="5029200"/>
           </a:xfrm>
           <a:prstGeom prst="rect">
@@ -3450,7 +3450,7 @@
         </p:blipFill>
         <p:spPr>
           <a:xfrm>
-            <a:off x="914400" y="1371600"/>
+            <a:off x="-457200" y="1371600"/>
             <a:ext cx="10058400" cy="5029200"/>
           </a:xfrm>
           <a:prstGeom prst="rect">
@@ -3513,7 +3513,7 @@
         </p:blipFill>
         <p:spPr>
           <a:xfrm>
-            <a:off x="914400" y="1371600"/>
+            <a:off x="-457200" y="1371600"/>
             <a:ext cx="10058400" cy="5029200"/>
           </a:xfrm>
           <a:prstGeom prst="rect">
@@ -3576,7 +3576,7 @@
         </p:blipFill>
         <p:spPr>
           <a:xfrm>
-            <a:off x="914400" y="1371600"/>
+            <a:off x="-457200" y="1371600"/>
             <a:ext cx="10058400" cy="5029200"/>
           </a:xfrm>
           <a:prstGeom prst="rect">
@@ -3639,7 +3639,7 @@
         </p:blipFill>
         <p:spPr>
           <a:xfrm>
-            <a:off x="914400" y="1371600"/>
+            <a:off x="-457200" y="1371600"/>
             <a:ext cx="10058400" cy="5029200"/>
           </a:xfrm>
           <a:prstGeom prst="rect">
@@ -3702,7 +3702,7 @@
         </p:blipFill>
         <p:spPr>
           <a:xfrm>
-            <a:off x="914400" y="1371600"/>
+            <a:off x="-457200" y="1371600"/>
             <a:ext cx="10058400" cy="5029200"/>
           </a:xfrm>
           <a:prstGeom prst="rect">
@@ -3765,7 +3765,7 @@
         </p:blipFill>
         <p:spPr>
           <a:xfrm>
-            <a:off x="914400" y="1371600"/>
+            <a:off x="-457200" y="1371600"/>
             <a:ext cx="10058400" cy="5029200"/>
           </a:xfrm>
           <a:prstGeom prst="rect">
@@ -3828,7 +3828,7 @@
         </p:blipFill>
         <p:spPr>
           <a:xfrm>
-            <a:off x="914400" y="1371600"/>
+            <a:off x="-457200" y="1371600"/>
             <a:ext cx="10058400" cy="5029200"/>
           </a:xfrm>
           <a:prstGeom prst="rect">
@@ -3891,7 +3891,7 @@
         </p:blipFill>
         <p:spPr>
           <a:xfrm>
-            <a:off x="914400" y="1371600"/>
+            <a:off x="-457200" y="1371600"/>
             <a:ext cx="10058400" cy="5029200"/>
           </a:xfrm>
           <a:prstGeom prst="rect">
@@ -3954,7 +3954,7 @@
         </p:blipFill>
         <p:spPr>
           <a:xfrm>
-            <a:off x="914400" y="1371600"/>
+            <a:off x="-457200" y="1371600"/>
             <a:ext cx="10058400" cy="5029200"/>
           </a:xfrm>
           <a:prstGeom prst="rect">

--- a/argentina_analysis_presentation.pptx
+++ b/argentina_analysis_presentation.pptx
@@ -3199,7 +3199,7 @@
         <p:spPr>
           <a:xfrm>
             <a:off x="-457200" y="1371600"/>
-            <a:ext cx="10058400" cy="5029200"/>
+            <a:ext cx="7543800" cy="5029200"/>
           </a:xfrm>
           <a:prstGeom prst="rect">
             <a:avLst/>
@@ -3262,7 +3262,7 @@
         <p:spPr>
           <a:xfrm>
             <a:off x="-457200" y="1371600"/>
-            <a:ext cx="10058400" cy="5029200"/>
+            <a:ext cx="7543800" cy="5029200"/>
           </a:xfrm>
           <a:prstGeom prst="rect">
             <a:avLst/>
@@ -3325,7 +3325,7 @@
         <p:spPr>
           <a:xfrm>
             <a:off x="-457200" y="1371600"/>
-            <a:ext cx="10058400" cy="5029200"/>
+            <a:ext cx="7543800" cy="5029200"/>
           </a:xfrm>
           <a:prstGeom prst="rect">
             <a:avLst/>
@@ -3388,7 +3388,7 @@
         <p:spPr>
           <a:xfrm>
             <a:off x="-457200" y="1371600"/>
-            <a:ext cx="10058400" cy="5029200"/>
+            <a:ext cx="7543800" cy="5029200"/>
           </a:xfrm>
           <a:prstGeom prst="rect">
             <a:avLst/>
@@ -3451,7 +3451,7 @@
         <p:spPr>
           <a:xfrm>
             <a:off x="-457200" y="1371600"/>
-            <a:ext cx="10058400" cy="5029200"/>
+            <a:ext cx="7543800" cy="5029200"/>
           </a:xfrm>
           <a:prstGeom prst="rect">
             <a:avLst/>
@@ -3514,7 +3514,7 @@
         <p:spPr>
           <a:xfrm>
             <a:off x="-457200" y="1371600"/>
-            <a:ext cx="10058400" cy="5029200"/>
+            <a:ext cx="7543800" cy="5029200"/>
           </a:xfrm>
           <a:prstGeom prst="rect">
             <a:avLst/>
@@ -3577,7 +3577,7 @@
         <p:spPr>
           <a:xfrm>
             <a:off x="-457200" y="1371600"/>
-            <a:ext cx="10058400" cy="5029200"/>
+            <a:ext cx="7543800" cy="5029200"/>
           </a:xfrm>
           <a:prstGeom prst="rect">
             <a:avLst/>
@@ -3640,7 +3640,7 @@
         <p:spPr>
           <a:xfrm>
             <a:off x="-457200" y="1371600"/>
-            <a:ext cx="10058400" cy="5029200"/>
+            <a:ext cx="7543800" cy="5029200"/>
           </a:xfrm>
           <a:prstGeom prst="rect">
             <a:avLst/>
@@ -3703,7 +3703,7 @@
         <p:spPr>
           <a:xfrm>
             <a:off x="-457200" y="1371600"/>
-            <a:ext cx="10058400" cy="5029200"/>
+            <a:ext cx="7543800" cy="5029200"/>
           </a:xfrm>
           <a:prstGeom prst="rect">
             <a:avLst/>
@@ -3766,7 +3766,7 @@
         <p:spPr>
           <a:xfrm>
             <a:off x="-457200" y="1371600"/>
-            <a:ext cx="10058400" cy="5029200"/>
+            <a:ext cx="7543800" cy="5029200"/>
           </a:xfrm>
           <a:prstGeom prst="rect">
             <a:avLst/>
@@ -3829,7 +3829,7 @@
         <p:spPr>
           <a:xfrm>
             <a:off x="-457200" y="1371600"/>
-            <a:ext cx="10058400" cy="5029200"/>
+            <a:ext cx="7543800" cy="5029200"/>
           </a:xfrm>
           <a:prstGeom prst="rect">
             <a:avLst/>
@@ -3892,7 +3892,7 @@
         <p:spPr>
           <a:xfrm>
             <a:off x="-457200" y="1371600"/>
-            <a:ext cx="10058400" cy="5029200"/>
+            <a:ext cx="7543800" cy="5029200"/>
           </a:xfrm>
           <a:prstGeom prst="rect">
             <a:avLst/>
@@ -3955,7 +3955,7 @@
         <p:spPr>
           <a:xfrm>
             <a:off x="-457200" y="1371600"/>
-            <a:ext cx="10058400" cy="5029200"/>
+            <a:ext cx="7543800" cy="5029200"/>
           </a:xfrm>
           <a:prstGeom prst="rect">
             <a:avLst/>

--- a/argentina_analysis_presentation.pptx
+++ b/argentina_analysis_presentation.pptx
@@ -3198,8 +3198,8 @@
         </p:blipFill>
         <p:spPr>
           <a:xfrm>
-            <a:off x="-457200" y="1371600"/>
-            <a:ext cx="7543800" cy="5029200"/>
+            <a:off x="914400" y="1371600"/>
+            <a:ext cx="7315200" cy="3657600"/>
           </a:xfrm>
           <a:prstGeom prst="rect">
             <a:avLst/>
@@ -3261,8 +3261,8 @@
         </p:blipFill>
         <p:spPr>
           <a:xfrm>
-            <a:off x="-457200" y="1371600"/>
-            <a:ext cx="7543800" cy="5029200"/>
+            <a:off x="914400" y="1371600"/>
+            <a:ext cx="7315200" cy="3657600"/>
           </a:xfrm>
           <a:prstGeom prst="rect">
             <a:avLst/>
@@ -3324,8 +3324,8 @@
         </p:blipFill>
         <p:spPr>
           <a:xfrm>
-            <a:off x="-457200" y="1371600"/>
-            <a:ext cx="7543800" cy="5029200"/>
+            <a:off x="914400" y="1371600"/>
+            <a:ext cx="7315200" cy="3657600"/>
           </a:xfrm>
           <a:prstGeom prst="rect">
             <a:avLst/>
@@ -3387,8 +3387,8 @@
         </p:blipFill>
         <p:spPr>
           <a:xfrm>
-            <a:off x="-457200" y="1371600"/>
-            <a:ext cx="7543800" cy="5029200"/>
+            <a:off x="914400" y="1371600"/>
+            <a:ext cx="7315200" cy="3657600"/>
           </a:xfrm>
           <a:prstGeom prst="rect">
             <a:avLst/>
@@ -3450,8 +3450,8 @@
         </p:blipFill>
         <p:spPr>
           <a:xfrm>
-            <a:off x="-457200" y="1371600"/>
-            <a:ext cx="7543800" cy="5029200"/>
+            <a:off x="914400" y="1371600"/>
+            <a:ext cx="7315200" cy="3657600"/>
           </a:xfrm>
           <a:prstGeom prst="rect">
             <a:avLst/>
@@ -3513,8 +3513,8 @@
         </p:blipFill>
         <p:spPr>
           <a:xfrm>
-            <a:off x="-457200" y="1371600"/>
-            <a:ext cx="7543800" cy="5029200"/>
+            <a:off x="914400" y="1371600"/>
+            <a:ext cx="7315200" cy="3657600"/>
           </a:xfrm>
           <a:prstGeom prst="rect">
             <a:avLst/>
@@ -3576,8 +3576,8 @@
         </p:blipFill>
         <p:spPr>
           <a:xfrm>
-            <a:off x="-457200" y="1371600"/>
-            <a:ext cx="7543800" cy="5029200"/>
+            <a:off x="914400" y="1371600"/>
+            <a:ext cx="7315200" cy="3657600"/>
           </a:xfrm>
           <a:prstGeom prst="rect">
             <a:avLst/>
@@ -3639,8 +3639,8 @@
         </p:blipFill>
         <p:spPr>
           <a:xfrm>
-            <a:off x="-457200" y="1371600"/>
-            <a:ext cx="7543800" cy="5029200"/>
+            <a:off x="914400" y="1371600"/>
+            <a:ext cx="7315200" cy="3657600"/>
           </a:xfrm>
           <a:prstGeom prst="rect">
             <a:avLst/>
@@ -3702,8 +3702,8 @@
         </p:blipFill>
         <p:spPr>
           <a:xfrm>
-            <a:off x="-457200" y="1371600"/>
-            <a:ext cx="7543800" cy="5029200"/>
+            <a:off x="914400" y="1371600"/>
+            <a:ext cx="7315200" cy="3657600"/>
           </a:xfrm>
           <a:prstGeom prst="rect">
             <a:avLst/>
@@ -3765,8 +3765,8 @@
         </p:blipFill>
         <p:spPr>
           <a:xfrm>
-            <a:off x="-457200" y="1371600"/>
-            <a:ext cx="7543800" cy="5029200"/>
+            <a:off x="914400" y="1371600"/>
+            <a:ext cx="7315200" cy="3657600"/>
           </a:xfrm>
           <a:prstGeom prst="rect">
             <a:avLst/>
@@ -3828,8 +3828,8 @@
         </p:blipFill>
         <p:spPr>
           <a:xfrm>
-            <a:off x="-457200" y="1371600"/>
-            <a:ext cx="7543800" cy="5029200"/>
+            <a:off x="914400" y="1371600"/>
+            <a:ext cx="7315200" cy="3657600"/>
           </a:xfrm>
           <a:prstGeom prst="rect">
             <a:avLst/>
@@ -3891,8 +3891,8 @@
         </p:blipFill>
         <p:spPr>
           <a:xfrm>
-            <a:off x="-457200" y="1371600"/>
-            <a:ext cx="7543800" cy="5029200"/>
+            <a:off x="914400" y="1371600"/>
+            <a:ext cx="7315200" cy="3657600"/>
           </a:xfrm>
           <a:prstGeom prst="rect">
             <a:avLst/>
@@ -3954,8 +3954,8 @@
         </p:blipFill>
         <p:spPr>
           <a:xfrm>
-            <a:off x="-457200" y="1371600"/>
-            <a:ext cx="7543800" cy="5029200"/>
+            <a:off x="914400" y="1371600"/>
+            <a:ext cx="7315200" cy="3657600"/>
           </a:xfrm>
           <a:prstGeom prst="rect">
             <a:avLst/>

--- a/argentina_analysis_presentation.pptx
+++ b/argentina_analysis_presentation.pptx
@@ -3198,7 +3198,7 @@
         </p:blipFill>
         <p:spPr>
           <a:xfrm>
-            <a:off x="914400" y="1371600"/>
+            <a:off x="914400" y="1828800"/>
             <a:ext cx="7315200" cy="3657600"/>
           </a:xfrm>
           <a:prstGeom prst="rect">
@@ -3261,7 +3261,7 @@
         </p:blipFill>
         <p:spPr>
           <a:xfrm>
-            <a:off x="914400" y="1371600"/>
+            <a:off x="914400" y="1828800"/>
             <a:ext cx="7315200" cy="3657600"/>
           </a:xfrm>
           <a:prstGeom prst="rect">
@@ -3324,7 +3324,7 @@
         </p:blipFill>
         <p:spPr>
           <a:xfrm>
-            <a:off x="914400" y="1371600"/>
+            <a:off x="914400" y="1828800"/>
             <a:ext cx="7315200" cy="3657600"/>
           </a:xfrm>
           <a:prstGeom prst="rect">
@@ -3387,7 +3387,7 @@
         </p:blipFill>
         <p:spPr>
           <a:xfrm>
-            <a:off x="914400" y="1371600"/>
+            <a:off x="914400" y="1828800"/>
             <a:ext cx="7315200" cy="3657600"/>
           </a:xfrm>
           <a:prstGeom prst="rect">
@@ -3450,7 +3450,7 @@
         </p:blipFill>
         <p:spPr>
           <a:xfrm>
-            <a:off x="914400" y="1371600"/>
+            <a:off x="914400" y="1828800"/>
             <a:ext cx="7315200" cy="3657600"/>
           </a:xfrm>
           <a:prstGeom prst="rect">
@@ -3513,7 +3513,7 @@
         </p:blipFill>
         <p:spPr>
           <a:xfrm>
-            <a:off x="914400" y="1371600"/>
+            <a:off x="914400" y="1828800"/>
             <a:ext cx="7315200" cy="3657600"/>
           </a:xfrm>
           <a:prstGeom prst="rect">
@@ -3576,7 +3576,7 @@
         </p:blipFill>
         <p:spPr>
           <a:xfrm>
-            <a:off x="914400" y="1371600"/>
+            <a:off x="914400" y="1828800"/>
             <a:ext cx="7315200" cy="3657600"/>
           </a:xfrm>
           <a:prstGeom prst="rect">
@@ -3639,7 +3639,7 @@
         </p:blipFill>
         <p:spPr>
           <a:xfrm>
-            <a:off x="914400" y="1371600"/>
+            <a:off x="914400" y="1828800"/>
             <a:ext cx="7315200" cy="3657600"/>
           </a:xfrm>
           <a:prstGeom prst="rect">
@@ -3702,7 +3702,7 @@
         </p:blipFill>
         <p:spPr>
           <a:xfrm>
-            <a:off x="914400" y="1371600"/>
+            <a:off x="914400" y="1828800"/>
             <a:ext cx="7315200" cy="3657600"/>
           </a:xfrm>
           <a:prstGeom prst="rect">
@@ -3765,7 +3765,7 @@
         </p:blipFill>
         <p:spPr>
           <a:xfrm>
-            <a:off x="914400" y="1371600"/>
+            <a:off x="914400" y="1828800"/>
             <a:ext cx="7315200" cy="3657600"/>
           </a:xfrm>
           <a:prstGeom prst="rect">
@@ -3828,7 +3828,7 @@
         </p:blipFill>
         <p:spPr>
           <a:xfrm>
-            <a:off x="914400" y="1371600"/>
+            <a:off x="914400" y="1828800"/>
             <a:ext cx="7315200" cy="3657600"/>
           </a:xfrm>
           <a:prstGeom prst="rect">
@@ -3891,7 +3891,7 @@
         </p:blipFill>
         <p:spPr>
           <a:xfrm>
-            <a:off x="914400" y="1371600"/>
+            <a:off x="914400" y="1828800"/>
             <a:ext cx="7315200" cy="3657600"/>
           </a:xfrm>
           <a:prstGeom prst="rect">
@@ -3954,7 +3954,7 @@
         </p:blipFill>
         <p:spPr>
           <a:xfrm>
-            <a:off x="914400" y="1371600"/>
+            <a:off x="914400" y="1828800"/>
             <a:ext cx="7315200" cy="3657600"/>
           </a:xfrm>
           <a:prstGeom prst="rect">

--- a/argentina_analysis_presentation.pptx
+++ b/argentina_analysis_presentation.pptx
@@ -3198,7 +3198,7 @@
         </p:blipFill>
         <p:spPr>
           <a:xfrm>
-            <a:off x="914400" y="1828800"/>
+            <a:off x="914400" y="2743200"/>
             <a:ext cx="7315200" cy="3657600"/>
           </a:xfrm>
           <a:prstGeom prst="rect">
@@ -3261,7 +3261,7 @@
         </p:blipFill>
         <p:spPr>
           <a:xfrm>
-            <a:off x="914400" y="1828800"/>
+            <a:off x="914400" y="2743200"/>
             <a:ext cx="7315200" cy="3657600"/>
           </a:xfrm>
           <a:prstGeom prst="rect">
@@ -3324,7 +3324,7 @@
         </p:blipFill>
         <p:spPr>
           <a:xfrm>
-            <a:off x="914400" y="1828800"/>
+            <a:off x="914400" y="2743200"/>
             <a:ext cx="7315200" cy="3657600"/>
           </a:xfrm>
           <a:prstGeom prst="rect">
@@ -3387,7 +3387,7 @@
         </p:blipFill>
         <p:spPr>
           <a:xfrm>
-            <a:off x="914400" y="1828800"/>
+            <a:off x="914400" y="2743200"/>
             <a:ext cx="7315200" cy="3657600"/>
           </a:xfrm>
           <a:prstGeom prst="rect">
@@ -3450,7 +3450,7 @@
         </p:blipFill>
         <p:spPr>
           <a:xfrm>
-            <a:off x="914400" y="1828800"/>
+            <a:off x="914400" y="2743200"/>
             <a:ext cx="7315200" cy="3657600"/>
           </a:xfrm>
           <a:prstGeom prst="rect">
@@ -3513,7 +3513,7 @@
         </p:blipFill>
         <p:spPr>
           <a:xfrm>
-            <a:off x="914400" y="1828800"/>
+            <a:off x="914400" y="2743200"/>
             <a:ext cx="7315200" cy="3657600"/>
           </a:xfrm>
           <a:prstGeom prst="rect">
@@ -3576,7 +3576,7 @@
         </p:blipFill>
         <p:spPr>
           <a:xfrm>
-            <a:off x="914400" y="1828800"/>
+            <a:off x="914400" y="2743200"/>
             <a:ext cx="7315200" cy="3657600"/>
           </a:xfrm>
           <a:prstGeom prst="rect">
@@ -3639,7 +3639,7 @@
         </p:blipFill>
         <p:spPr>
           <a:xfrm>
-            <a:off x="914400" y="1828800"/>
+            <a:off x="914400" y="2743200"/>
             <a:ext cx="7315200" cy="3657600"/>
           </a:xfrm>
           <a:prstGeom prst="rect">
@@ -3702,7 +3702,7 @@
         </p:blipFill>
         <p:spPr>
           <a:xfrm>
-            <a:off x="914400" y="1828800"/>
+            <a:off x="914400" y="2743200"/>
             <a:ext cx="7315200" cy="3657600"/>
           </a:xfrm>
           <a:prstGeom prst="rect">
@@ -3765,7 +3765,7 @@
         </p:blipFill>
         <p:spPr>
           <a:xfrm>
-            <a:off x="914400" y="1828800"/>
+            <a:off x="914400" y="2743200"/>
             <a:ext cx="7315200" cy="3657600"/>
           </a:xfrm>
           <a:prstGeom prst="rect">
@@ -3828,7 +3828,7 @@
         </p:blipFill>
         <p:spPr>
           <a:xfrm>
-            <a:off x="914400" y="1828800"/>
+            <a:off x="914400" y="2743200"/>
             <a:ext cx="7315200" cy="3657600"/>
           </a:xfrm>
           <a:prstGeom prst="rect">
@@ -3891,7 +3891,7 @@
         </p:blipFill>
         <p:spPr>
           <a:xfrm>
-            <a:off x="914400" y="1828800"/>
+            <a:off x="914400" y="2743200"/>
             <a:ext cx="7315200" cy="3657600"/>
           </a:xfrm>
           <a:prstGeom prst="rect">
@@ -3954,7 +3954,7 @@
         </p:blipFill>
         <p:spPr>
           <a:xfrm>
-            <a:off x="914400" y="1828800"/>
+            <a:off x="914400" y="2743200"/>
             <a:ext cx="7315200" cy="3657600"/>
           </a:xfrm>
           <a:prstGeom prst="rect">

--- a/argentina_analysis_presentation.pptx
+++ b/argentina_analysis_presentation.pptx
@@ -3198,7 +3198,7 @@
         </p:blipFill>
         <p:spPr>
           <a:xfrm>
-            <a:off x="914400" y="2743200"/>
+            <a:off x="914400" y="5943600"/>
             <a:ext cx="7315200" cy="3657600"/>
           </a:xfrm>
           <a:prstGeom prst="rect">
@@ -3261,7 +3261,7 @@
         </p:blipFill>
         <p:spPr>
           <a:xfrm>
-            <a:off x="914400" y="2743200"/>
+            <a:off x="914400" y="5943600"/>
             <a:ext cx="7315200" cy="3657600"/>
           </a:xfrm>
           <a:prstGeom prst="rect">
@@ -3324,7 +3324,7 @@
         </p:blipFill>
         <p:spPr>
           <a:xfrm>
-            <a:off x="914400" y="2743200"/>
+            <a:off x="914400" y="5943600"/>
             <a:ext cx="7315200" cy="3657600"/>
           </a:xfrm>
           <a:prstGeom prst="rect">
@@ -3387,7 +3387,7 @@
         </p:blipFill>
         <p:spPr>
           <a:xfrm>
-            <a:off x="914400" y="2743200"/>
+            <a:off x="914400" y="5943600"/>
             <a:ext cx="7315200" cy="3657600"/>
           </a:xfrm>
           <a:prstGeom prst="rect">
@@ -3450,7 +3450,7 @@
         </p:blipFill>
         <p:spPr>
           <a:xfrm>
-            <a:off x="914400" y="2743200"/>
+            <a:off x="914400" y="5943600"/>
             <a:ext cx="7315200" cy="3657600"/>
           </a:xfrm>
           <a:prstGeom prst="rect">
@@ -3513,7 +3513,7 @@
         </p:blipFill>
         <p:spPr>
           <a:xfrm>
-            <a:off x="914400" y="2743200"/>
+            <a:off x="914400" y="5943600"/>
             <a:ext cx="7315200" cy="3657600"/>
           </a:xfrm>
           <a:prstGeom prst="rect">
@@ -3576,7 +3576,7 @@
         </p:blipFill>
         <p:spPr>
           <a:xfrm>
-            <a:off x="914400" y="2743200"/>
+            <a:off x="914400" y="5943600"/>
             <a:ext cx="7315200" cy="3657600"/>
           </a:xfrm>
           <a:prstGeom prst="rect">
@@ -3639,7 +3639,7 @@
         </p:blipFill>
         <p:spPr>
           <a:xfrm>
-            <a:off x="914400" y="2743200"/>
+            <a:off x="914400" y="5943600"/>
             <a:ext cx="7315200" cy="3657600"/>
           </a:xfrm>
           <a:prstGeom prst="rect">
@@ -3702,7 +3702,7 @@
         </p:blipFill>
         <p:spPr>
           <a:xfrm>
-            <a:off x="914400" y="2743200"/>
+            <a:off x="914400" y="5943600"/>
             <a:ext cx="7315200" cy="3657600"/>
           </a:xfrm>
           <a:prstGeom prst="rect">
@@ -3765,7 +3765,7 @@
         </p:blipFill>
         <p:spPr>
           <a:xfrm>
-            <a:off x="914400" y="2743200"/>
+            <a:off x="914400" y="5943600"/>
             <a:ext cx="7315200" cy="3657600"/>
           </a:xfrm>
           <a:prstGeom prst="rect">
@@ -3828,7 +3828,7 @@
         </p:blipFill>
         <p:spPr>
           <a:xfrm>
-            <a:off x="914400" y="2743200"/>
+            <a:off x="914400" y="5943600"/>
             <a:ext cx="7315200" cy="3657600"/>
           </a:xfrm>
           <a:prstGeom prst="rect">
@@ -3891,7 +3891,7 @@
         </p:blipFill>
         <p:spPr>
           <a:xfrm>
-            <a:off x="914400" y="2743200"/>
+            <a:off x="914400" y="5943600"/>
             <a:ext cx="7315200" cy="3657600"/>
           </a:xfrm>
           <a:prstGeom prst="rect">
@@ -3954,7 +3954,7 @@
         </p:blipFill>
         <p:spPr>
           <a:xfrm>
-            <a:off x="914400" y="2743200"/>
+            <a:off x="914400" y="5943600"/>
             <a:ext cx="7315200" cy="3657600"/>
           </a:xfrm>
           <a:prstGeom prst="rect">

--- a/argentina_analysis_presentation.pptx
+++ b/argentina_analysis_presentation.pptx
@@ -3198,7 +3198,7 @@
         </p:blipFill>
         <p:spPr>
           <a:xfrm>
-            <a:off x="914400" y="5943600"/>
+            <a:off x="914400" y="3200400"/>
             <a:ext cx="7315200" cy="3657600"/>
           </a:xfrm>
           <a:prstGeom prst="rect">
@@ -3261,7 +3261,7 @@
         </p:blipFill>
         <p:spPr>
           <a:xfrm>
-            <a:off x="914400" y="5943600"/>
+            <a:off x="914400" y="3200400"/>
             <a:ext cx="7315200" cy="3657600"/>
           </a:xfrm>
           <a:prstGeom prst="rect">
@@ -3324,7 +3324,7 @@
         </p:blipFill>
         <p:spPr>
           <a:xfrm>
-            <a:off x="914400" y="5943600"/>
+            <a:off x="914400" y="3200400"/>
             <a:ext cx="7315200" cy="3657600"/>
           </a:xfrm>
           <a:prstGeom prst="rect">
@@ -3387,7 +3387,7 @@
         </p:blipFill>
         <p:spPr>
           <a:xfrm>
-            <a:off x="914400" y="5943600"/>
+            <a:off x="914400" y="3200400"/>
             <a:ext cx="7315200" cy="3657600"/>
           </a:xfrm>
           <a:prstGeom prst="rect">
@@ -3450,7 +3450,7 @@
         </p:blipFill>
         <p:spPr>
           <a:xfrm>
-            <a:off x="914400" y="5943600"/>
+            <a:off x="914400" y="3200400"/>
             <a:ext cx="7315200" cy="3657600"/>
           </a:xfrm>
           <a:prstGeom prst="rect">
@@ -3513,7 +3513,7 @@
         </p:blipFill>
         <p:spPr>
           <a:xfrm>
-            <a:off x="914400" y="5943600"/>
+            <a:off x="914400" y="3200400"/>
             <a:ext cx="7315200" cy="3657600"/>
           </a:xfrm>
           <a:prstGeom prst="rect">
@@ -3576,7 +3576,7 @@
         </p:blipFill>
         <p:spPr>
           <a:xfrm>
-            <a:off x="914400" y="5943600"/>
+            <a:off x="914400" y="3200400"/>
             <a:ext cx="7315200" cy="3657600"/>
           </a:xfrm>
           <a:prstGeom prst="rect">
@@ -3639,7 +3639,7 @@
         </p:blipFill>
         <p:spPr>
           <a:xfrm>
-            <a:off x="914400" y="5943600"/>
+            <a:off x="914400" y="3200400"/>
             <a:ext cx="7315200" cy="3657600"/>
           </a:xfrm>
           <a:prstGeom prst="rect">
@@ -3702,7 +3702,7 @@
         </p:blipFill>
         <p:spPr>
           <a:xfrm>
-            <a:off x="914400" y="5943600"/>
+            <a:off x="914400" y="3200400"/>
             <a:ext cx="7315200" cy="3657600"/>
           </a:xfrm>
           <a:prstGeom prst="rect">
@@ -3765,7 +3765,7 @@
         </p:blipFill>
         <p:spPr>
           <a:xfrm>
-            <a:off x="914400" y="5943600"/>
+            <a:off x="914400" y="3200400"/>
             <a:ext cx="7315200" cy="3657600"/>
           </a:xfrm>
           <a:prstGeom prst="rect">
@@ -3828,7 +3828,7 @@
         </p:blipFill>
         <p:spPr>
           <a:xfrm>
-            <a:off x="914400" y="5943600"/>
+            <a:off x="914400" y="3200400"/>
             <a:ext cx="7315200" cy="3657600"/>
           </a:xfrm>
           <a:prstGeom prst="rect">
@@ -3891,7 +3891,7 @@
         </p:blipFill>
         <p:spPr>
           <a:xfrm>
-            <a:off x="914400" y="5943600"/>
+            <a:off x="914400" y="3200400"/>
             <a:ext cx="7315200" cy="3657600"/>
           </a:xfrm>
           <a:prstGeom prst="rect">
@@ -3954,7 +3954,7 @@
         </p:blipFill>
         <p:spPr>
           <a:xfrm>
-            <a:off x="914400" y="5943600"/>
+            <a:off x="914400" y="3200400"/>
             <a:ext cx="7315200" cy="3657600"/>
           </a:xfrm>
           <a:prstGeom prst="rect">

--- a/argentina_analysis_presentation.pptx
+++ b/argentina_analysis_presentation.pptx
@@ -3198,7 +3198,7 @@
         </p:blipFill>
         <p:spPr>
           <a:xfrm>
-            <a:off x="914400" y="3200400"/>
+            <a:off x="914400" y="4114800"/>
             <a:ext cx="7315200" cy="3657600"/>
           </a:xfrm>
           <a:prstGeom prst="rect">
@@ -3261,7 +3261,7 @@
         </p:blipFill>
         <p:spPr>
           <a:xfrm>
-            <a:off x="914400" y="3200400"/>
+            <a:off x="914400" y="4114800"/>
             <a:ext cx="7315200" cy="3657600"/>
           </a:xfrm>
           <a:prstGeom prst="rect">
@@ -3324,7 +3324,7 @@
         </p:blipFill>
         <p:spPr>
           <a:xfrm>
-            <a:off x="914400" y="3200400"/>
+            <a:off x="914400" y="4114800"/>
             <a:ext cx="7315200" cy="3657600"/>
           </a:xfrm>
           <a:prstGeom prst="rect">
@@ -3387,7 +3387,7 @@
         </p:blipFill>
         <p:spPr>
           <a:xfrm>
-            <a:off x="914400" y="3200400"/>
+            <a:off x="914400" y="4114800"/>
             <a:ext cx="7315200" cy="3657600"/>
           </a:xfrm>
           <a:prstGeom prst="rect">
@@ -3450,7 +3450,7 @@
         </p:blipFill>
         <p:spPr>
           <a:xfrm>
-            <a:off x="914400" y="3200400"/>
+            <a:off x="914400" y="4114800"/>
             <a:ext cx="7315200" cy="3657600"/>
           </a:xfrm>
           <a:prstGeom prst="rect">
@@ -3513,7 +3513,7 @@
         </p:blipFill>
         <p:spPr>
           <a:xfrm>
-            <a:off x="914400" y="3200400"/>
+            <a:off x="914400" y="4114800"/>
             <a:ext cx="7315200" cy="3657600"/>
           </a:xfrm>
           <a:prstGeom prst="rect">
@@ -3576,7 +3576,7 @@
         </p:blipFill>
         <p:spPr>
           <a:xfrm>
-            <a:off x="914400" y="3200400"/>
+            <a:off x="914400" y="4114800"/>
             <a:ext cx="7315200" cy="3657600"/>
           </a:xfrm>
           <a:prstGeom prst="rect">
@@ -3639,7 +3639,7 @@
         </p:blipFill>
         <p:spPr>
           <a:xfrm>
-            <a:off x="914400" y="3200400"/>
+            <a:off x="914400" y="4114800"/>
             <a:ext cx="7315200" cy="3657600"/>
           </a:xfrm>
           <a:prstGeom prst="rect">
@@ -3702,7 +3702,7 @@
         </p:blipFill>
         <p:spPr>
           <a:xfrm>
-            <a:off x="914400" y="3200400"/>
+            <a:off x="914400" y="4114800"/>
             <a:ext cx="7315200" cy="3657600"/>
           </a:xfrm>
           <a:prstGeom prst="rect">
@@ -3765,7 +3765,7 @@
         </p:blipFill>
         <p:spPr>
           <a:xfrm>
-            <a:off x="914400" y="3200400"/>
+            <a:off x="914400" y="4114800"/>
             <a:ext cx="7315200" cy="3657600"/>
           </a:xfrm>
           <a:prstGeom prst="rect">
@@ -3828,7 +3828,7 @@
         </p:blipFill>
         <p:spPr>
           <a:xfrm>
-            <a:off x="914400" y="3200400"/>
+            <a:off x="914400" y="4114800"/>
             <a:ext cx="7315200" cy="3657600"/>
           </a:xfrm>
           <a:prstGeom prst="rect">
@@ -3891,7 +3891,7 @@
         </p:blipFill>
         <p:spPr>
           <a:xfrm>
-            <a:off x="914400" y="3200400"/>
+            <a:off x="914400" y="4114800"/>
             <a:ext cx="7315200" cy="3657600"/>
           </a:xfrm>
           <a:prstGeom prst="rect">
@@ -3954,7 +3954,7 @@
         </p:blipFill>
         <p:spPr>
           <a:xfrm>
-            <a:off x="914400" y="3200400"/>
+            <a:off x="914400" y="4114800"/>
             <a:ext cx="7315200" cy="3657600"/>
           </a:xfrm>
           <a:prstGeom prst="rect">

--- a/argentina_analysis_presentation.pptx
+++ b/argentina_analysis_presentation.pptx
@@ -3198,7 +3198,7 @@
         </p:blipFill>
         <p:spPr>
           <a:xfrm>
-            <a:off x="914400" y="4114800"/>
+            <a:off x="914400" y="3886200"/>
             <a:ext cx="7315200" cy="3657600"/>
           </a:xfrm>
           <a:prstGeom prst="rect">
@@ -3261,7 +3261,7 @@
         </p:blipFill>
         <p:spPr>
           <a:xfrm>
-            <a:off x="914400" y="4114800"/>
+            <a:off x="914400" y="3886200"/>
             <a:ext cx="7315200" cy="3657600"/>
           </a:xfrm>
           <a:prstGeom prst="rect">
@@ -3324,7 +3324,7 @@
         </p:blipFill>
         <p:spPr>
           <a:xfrm>
-            <a:off x="914400" y="4114800"/>
+            <a:off x="914400" y="3886200"/>
             <a:ext cx="7315200" cy="3657600"/>
           </a:xfrm>
           <a:prstGeom prst="rect">
@@ -3387,7 +3387,7 @@
         </p:blipFill>
         <p:spPr>
           <a:xfrm>
-            <a:off x="914400" y="4114800"/>
+            <a:off x="914400" y="3886200"/>
             <a:ext cx="7315200" cy="3657600"/>
           </a:xfrm>
           <a:prstGeom prst="rect">
@@ -3450,7 +3450,7 @@
         </p:blipFill>
         <p:spPr>
           <a:xfrm>
-            <a:off x="914400" y="4114800"/>
+            <a:off x="914400" y="3886200"/>
             <a:ext cx="7315200" cy="3657600"/>
           </a:xfrm>
           <a:prstGeom prst="rect">
@@ -3513,7 +3513,7 @@
         </p:blipFill>
         <p:spPr>
           <a:xfrm>
-            <a:off x="914400" y="4114800"/>
+            <a:off x="914400" y="3886200"/>
             <a:ext cx="7315200" cy="3657600"/>
           </a:xfrm>
           <a:prstGeom prst="rect">
@@ -3576,7 +3576,7 @@
         </p:blipFill>
         <p:spPr>
           <a:xfrm>
-            <a:off x="914400" y="4114800"/>
+            <a:off x="914400" y="3886200"/>
             <a:ext cx="7315200" cy="3657600"/>
           </a:xfrm>
           <a:prstGeom prst="rect">
@@ -3639,7 +3639,7 @@
         </p:blipFill>
         <p:spPr>
           <a:xfrm>
-            <a:off x="914400" y="4114800"/>
+            <a:off x="914400" y="3886200"/>
             <a:ext cx="7315200" cy="3657600"/>
           </a:xfrm>
           <a:prstGeom prst="rect">
@@ -3702,7 +3702,7 @@
         </p:blipFill>
         <p:spPr>
           <a:xfrm>
-            <a:off x="914400" y="4114800"/>
+            <a:off x="914400" y="3886200"/>
             <a:ext cx="7315200" cy="3657600"/>
           </a:xfrm>
           <a:prstGeom prst="rect">
@@ -3765,7 +3765,7 @@
         </p:blipFill>
         <p:spPr>
           <a:xfrm>
-            <a:off x="914400" y="4114800"/>
+            <a:off x="914400" y="3886200"/>
             <a:ext cx="7315200" cy="3657600"/>
           </a:xfrm>
           <a:prstGeom prst="rect">
@@ -3828,7 +3828,7 @@
         </p:blipFill>
         <p:spPr>
           <a:xfrm>
-            <a:off x="914400" y="4114800"/>
+            <a:off x="914400" y="3886200"/>
             <a:ext cx="7315200" cy="3657600"/>
           </a:xfrm>
           <a:prstGeom prst="rect">
@@ -3891,7 +3891,7 @@
         </p:blipFill>
         <p:spPr>
           <a:xfrm>
-            <a:off x="914400" y="4114800"/>
+            <a:off x="914400" y="3886200"/>
             <a:ext cx="7315200" cy="3657600"/>
           </a:xfrm>
           <a:prstGeom prst="rect">
@@ -3954,7 +3954,7 @@
         </p:blipFill>
         <p:spPr>
           <a:xfrm>
-            <a:off x="914400" y="4114800"/>
+            <a:off x="914400" y="3886200"/>
             <a:ext cx="7315200" cy="3657600"/>
           </a:xfrm>
           <a:prstGeom prst="rect">

--- a/argentina_analysis_presentation.pptx
+++ b/argentina_analysis_presentation.pptx
@@ -3198,7 +3198,7 @@
         </p:blipFill>
         <p:spPr>
           <a:xfrm>
-            <a:off x="914400" y="3886200"/>
+            <a:off x="914400" y="3200400"/>
             <a:ext cx="7315200" cy="3657600"/>
           </a:xfrm>
           <a:prstGeom prst="rect">
@@ -3261,7 +3261,7 @@
         </p:blipFill>
         <p:spPr>
           <a:xfrm>
-            <a:off x="914400" y="3886200"/>
+            <a:off x="914400" y="3200400"/>
             <a:ext cx="7315200" cy="3657600"/>
           </a:xfrm>
           <a:prstGeom prst="rect">
@@ -3324,7 +3324,7 @@
         </p:blipFill>
         <p:spPr>
           <a:xfrm>
-            <a:off x="914400" y="3886200"/>
+            <a:off x="914400" y="3200400"/>
             <a:ext cx="7315200" cy="3657600"/>
           </a:xfrm>
           <a:prstGeom prst="rect">
@@ -3387,7 +3387,7 @@
         </p:blipFill>
         <p:spPr>
           <a:xfrm>
-            <a:off x="914400" y="3886200"/>
+            <a:off x="914400" y="3200400"/>
             <a:ext cx="7315200" cy="3657600"/>
           </a:xfrm>
           <a:prstGeom prst="rect">
@@ -3450,7 +3450,7 @@
         </p:blipFill>
         <p:spPr>
           <a:xfrm>
-            <a:off x="914400" y="3886200"/>
+            <a:off x="914400" y="3200400"/>
             <a:ext cx="7315200" cy="3657600"/>
           </a:xfrm>
           <a:prstGeom prst="rect">
@@ -3513,7 +3513,7 @@
         </p:blipFill>
         <p:spPr>
           <a:xfrm>
-            <a:off x="914400" y="3886200"/>
+            <a:off x="914400" y="3200400"/>
             <a:ext cx="7315200" cy="3657600"/>
           </a:xfrm>
           <a:prstGeom prst="rect">
@@ -3576,7 +3576,7 @@
         </p:blipFill>
         <p:spPr>
           <a:xfrm>
-            <a:off x="914400" y="3886200"/>
+            <a:off x="914400" y="3200400"/>
             <a:ext cx="7315200" cy="3657600"/>
           </a:xfrm>
           <a:prstGeom prst="rect">
@@ -3639,7 +3639,7 @@
         </p:blipFill>
         <p:spPr>
           <a:xfrm>
-            <a:off x="914400" y="3886200"/>
+            <a:off x="914400" y="3200400"/>
             <a:ext cx="7315200" cy="3657600"/>
           </a:xfrm>
           <a:prstGeom prst="rect">
@@ -3702,7 +3702,7 @@
         </p:blipFill>
         <p:spPr>
           <a:xfrm>
-            <a:off x="914400" y="3886200"/>
+            <a:off x="914400" y="3200400"/>
             <a:ext cx="7315200" cy="3657600"/>
           </a:xfrm>
           <a:prstGeom prst="rect">
@@ -3765,7 +3765,7 @@
         </p:blipFill>
         <p:spPr>
           <a:xfrm>
-            <a:off x="914400" y="3886200"/>
+            <a:off x="914400" y="3200400"/>
             <a:ext cx="7315200" cy="3657600"/>
           </a:xfrm>
           <a:prstGeom prst="rect">
@@ -3828,7 +3828,7 @@
         </p:blipFill>
         <p:spPr>
           <a:xfrm>
-            <a:off x="914400" y="3886200"/>
+            <a:off x="914400" y="3200400"/>
             <a:ext cx="7315200" cy="3657600"/>
           </a:xfrm>
           <a:prstGeom prst="rect">
@@ -3891,7 +3891,7 @@
         </p:blipFill>
         <p:spPr>
           <a:xfrm>
-            <a:off x="914400" y="3886200"/>
+            <a:off x="914400" y="3200400"/>
             <a:ext cx="7315200" cy="3657600"/>
           </a:xfrm>
           <a:prstGeom prst="rect">
@@ -3954,7 +3954,7 @@
         </p:blipFill>
         <p:spPr>
           <a:xfrm>
-            <a:off x="914400" y="3886200"/>
+            <a:off x="914400" y="3200400"/>
             <a:ext cx="7315200" cy="3657600"/>
           </a:xfrm>
           <a:prstGeom prst="rect">

--- a/argentina_analysis_presentation.pptx
+++ b/argentina_analysis_presentation.pptx
@@ -3198,7 +3198,7 @@
         </p:blipFill>
         <p:spPr>
           <a:xfrm>
-            <a:off x="914400" y="3200400"/>
+            <a:off x="914400" y="2286000"/>
             <a:ext cx="7315200" cy="3657600"/>
           </a:xfrm>
           <a:prstGeom prst="rect">
@@ -3261,7 +3261,7 @@
         </p:blipFill>
         <p:spPr>
           <a:xfrm>
-            <a:off x="914400" y="3200400"/>
+            <a:off x="914400" y="2286000"/>
             <a:ext cx="7315200" cy="3657600"/>
           </a:xfrm>
           <a:prstGeom prst="rect">
@@ -3324,7 +3324,7 @@
         </p:blipFill>
         <p:spPr>
           <a:xfrm>
-            <a:off x="914400" y="3200400"/>
+            <a:off x="914400" y="2286000"/>
             <a:ext cx="7315200" cy="3657600"/>
           </a:xfrm>
           <a:prstGeom prst="rect">
@@ -3387,7 +3387,7 @@
         </p:blipFill>
         <p:spPr>
           <a:xfrm>
-            <a:off x="914400" y="3200400"/>
+            <a:off x="914400" y="2286000"/>
             <a:ext cx="7315200" cy="3657600"/>
           </a:xfrm>
           <a:prstGeom prst="rect">
@@ -3450,7 +3450,7 @@
         </p:blipFill>
         <p:spPr>
           <a:xfrm>
-            <a:off x="914400" y="3200400"/>
+            <a:off x="914400" y="2286000"/>
             <a:ext cx="7315200" cy="3657600"/>
           </a:xfrm>
           <a:prstGeom prst="rect">
@@ -3513,7 +3513,7 @@
         </p:blipFill>
         <p:spPr>
           <a:xfrm>
-            <a:off x="914400" y="3200400"/>
+            <a:off x="914400" y="2286000"/>
             <a:ext cx="7315200" cy="3657600"/>
           </a:xfrm>
           <a:prstGeom prst="rect">
@@ -3576,7 +3576,7 @@
         </p:blipFill>
         <p:spPr>
           <a:xfrm>
-            <a:off x="914400" y="3200400"/>
+            <a:off x="914400" y="2286000"/>
             <a:ext cx="7315200" cy="3657600"/>
           </a:xfrm>
           <a:prstGeom prst="rect">
@@ -3639,7 +3639,7 @@
         </p:blipFill>
         <p:spPr>
           <a:xfrm>
-            <a:off x="914400" y="3200400"/>
+            <a:off x="914400" y="2286000"/>
             <a:ext cx="7315200" cy="3657600"/>
           </a:xfrm>
           <a:prstGeom prst="rect">
@@ -3702,7 +3702,7 @@
         </p:blipFill>
         <p:spPr>
           <a:xfrm>
-            <a:off x="914400" y="3200400"/>
+            <a:off x="914400" y="2286000"/>
             <a:ext cx="7315200" cy="3657600"/>
           </a:xfrm>
           <a:prstGeom prst="rect">
@@ -3765,7 +3765,7 @@
         </p:blipFill>
         <p:spPr>
           <a:xfrm>
-            <a:off x="914400" y="3200400"/>
+            <a:off x="914400" y="2286000"/>
             <a:ext cx="7315200" cy="3657600"/>
           </a:xfrm>
           <a:prstGeom prst="rect">
@@ -3828,7 +3828,7 @@
         </p:blipFill>
         <p:spPr>
           <a:xfrm>
-            <a:off x="914400" y="3200400"/>
+            <a:off x="914400" y="2286000"/>
             <a:ext cx="7315200" cy="3657600"/>
           </a:xfrm>
           <a:prstGeom prst="rect">
@@ -3891,7 +3891,7 @@
         </p:blipFill>
         <p:spPr>
           <a:xfrm>
-            <a:off x="914400" y="3200400"/>
+            <a:off x="914400" y="2286000"/>
             <a:ext cx="7315200" cy="3657600"/>
           </a:xfrm>
           <a:prstGeom prst="rect">
@@ -3954,7 +3954,7 @@
         </p:blipFill>
         <p:spPr>
           <a:xfrm>
-            <a:off x="914400" y="3200400"/>
+            <a:off x="914400" y="2286000"/>
             <a:ext cx="7315200" cy="3657600"/>
           </a:xfrm>
           <a:prstGeom prst="rect">

--- a/argentina_analysis_presentation.pptx
+++ b/argentina_analysis_presentation.pptx
@@ -3198,7 +3198,7 @@
         </p:blipFill>
         <p:spPr>
           <a:xfrm>
-            <a:off x="914400" y="2286000"/>
+            <a:off x="914400" y="1371600"/>
             <a:ext cx="7315200" cy="3657600"/>
           </a:xfrm>
           <a:prstGeom prst="rect">
@@ -3261,7 +3261,7 @@
         </p:blipFill>
         <p:spPr>
           <a:xfrm>
-            <a:off x="914400" y="2286000"/>
+            <a:off x="914400" y="1371600"/>
             <a:ext cx="7315200" cy="3657600"/>
           </a:xfrm>
           <a:prstGeom prst="rect">
@@ -3324,7 +3324,7 @@
         </p:blipFill>
         <p:spPr>
           <a:xfrm>
-            <a:off x="914400" y="2286000"/>
+            <a:off x="914400" y="1371600"/>
             <a:ext cx="7315200" cy="3657600"/>
           </a:xfrm>
           <a:prstGeom prst="rect">
@@ -3387,7 +3387,7 @@
         </p:blipFill>
         <p:spPr>
           <a:xfrm>
-            <a:off x="914400" y="2286000"/>
+            <a:off x="914400" y="1371600"/>
             <a:ext cx="7315200" cy="3657600"/>
           </a:xfrm>
           <a:prstGeom prst="rect">
@@ -3450,7 +3450,7 @@
         </p:blipFill>
         <p:spPr>
           <a:xfrm>
-            <a:off x="914400" y="2286000"/>
+            <a:off x="914400" y="1371600"/>
             <a:ext cx="7315200" cy="3657600"/>
           </a:xfrm>
           <a:prstGeom prst="rect">
@@ -3513,7 +3513,7 @@
         </p:blipFill>
         <p:spPr>
           <a:xfrm>
-            <a:off x="914400" y="2286000"/>
+            <a:off x="914400" y="1371600"/>
             <a:ext cx="7315200" cy="3657600"/>
           </a:xfrm>
           <a:prstGeom prst="rect">
@@ -3576,7 +3576,7 @@
         </p:blipFill>
         <p:spPr>
           <a:xfrm>
-            <a:off x="914400" y="2286000"/>
+            <a:off x="914400" y="1371600"/>
             <a:ext cx="7315200" cy="3657600"/>
           </a:xfrm>
           <a:prstGeom prst="rect">
@@ -3639,7 +3639,7 @@
         </p:blipFill>
         <p:spPr>
           <a:xfrm>
-            <a:off x="914400" y="2286000"/>
+            <a:off x="914400" y="1371600"/>
             <a:ext cx="7315200" cy="3657600"/>
           </a:xfrm>
           <a:prstGeom prst="rect">
@@ -3702,7 +3702,7 @@
         </p:blipFill>
         <p:spPr>
           <a:xfrm>
-            <a:off x="914400" y="2286000"/>
+            <a:off x="914400" y="1371600"/>
             <a:ext cx="7315200" cy="3657600"/>
           </a:xfrm>
           <a:prstGeom prst="rect">
@@ -3765,7 +3765,7 @@
         </p:blipFill>
         <p:spPr>
           <a:xfrm>
-            <a:off x="914400" y="2286000"/>
+            <a:off x="914400" y="1371600"/>
             <a:ext cx="7315200" cy="3657600"/>
           </a:xfrm>
           <a:prstGeom prst="rect">
@@ -3828,7 +3828,7 @@
         </p:blipFill>
         <p:spPr>
           <a:xfrm>
-            <a:off x="914400" y="2286000"/>
+            <a:off x="914400" y="1371600"/>
             <a:ext cx="7315200" cy="3657600"/>
           </a:xfrm>
           <a:prstGeom prst="rect">
@@ -3891,7 +3891,7 @@
         </p:blipFill>
         <p:spPr>
           <a:xfrm>
-            <a:off x="914400" y="2286000"/>
+            <a:off x="914400" y="1371600"/>
             <a:ext cx="7315200" cy="3657600"/>
           </a:xfrm>
           <a:prstGeom prst="rect">
@@ -3954,7 +3954,7 @@
         </p:blipFill>
         <p:spPr>
           <a:xfrm>
-            <a:off x="914400" y="2286000"/>
+            <a:off x="914400" y="1371600"/>
             <a:ext cx="7315200" cy="3657600"/>
           </a:xfrm>
           <a:prstGeom prst="rect">

--- a/argentina_analysis_presentation.pptx
+++ b/argentina_analysis_presentation.pptx
@@ -3198,7 +3198,7 @@
         </p:blipFill>
         <p:spPr>
           <a:xfrm>
-            <a:off x="914400" y="1371600"/>
+            <a:off x="914400" y="457200"/>
             <a:ext cx="7315200" cy="3657600"/>
           </a:xfrm>
           <a:prstGeom prst="rect">
@@ -3261,7 +3261,7 @@
         </p:blipFill>
         <p:spPr>
           <a:xfrm>
-            <a:off x="914400" y="1371600"/>
+            <a:off x="914400" y="457200"/>
             <a:ext cx="7315200" cy="3657600"/>
           </a:xfrm>
           <a:prstGeom prst="rect">
@@ -3324,7 +3324,7 @@
         </p:blipFill>
         <p:spPr>
           <a:xfrm>
-            <a:off x="914400" y="1371600"/>
+            <a:off x="914400" y="457200"/>
             <a:ext cx="7315200" cy="3657600"/>
           </a:xfrm>
           <a:prstGeom prst="rect">
@@ -3387,7 +3387,7 @@
         </p:blipFill>
         <p:spPr>
           <a:xfrm>
-            <a:off x="914400" y="1371600"/>
+            <a:off x="914400" y="457200"/>
             <a:ext cx="7315200" cy="3657600"/>
           </a:xfrm>
           <a:prstGeom prst="rect">
@@ -3450,7 +3450,7 @@
         </p:blipFill>
         <p:spPr>
           <a:xfrm>
-            <a:off x="914400" y="1371600"/>
+            <a:off x="914400" y="457200"/>
             <a:ext cx="7315200" cy="3657600"/>
           </a:xfrm>
           <a:prstGeom prst="rect">
@@ -3513,7 +3513,7 @@
         </p:blipFill>
         <p:spPr>
           <a:xfrm>
-            <a:off x="914400" y="1371600"/>
+            <a:off x="914400" y="457200"/>
             <a:ext cx="7315200" cy="3657600"/>
           </a:xfrm>
           <a:prstGeom prst="rect">
@@ -3576,7 +3576,7 @@
         </p:blipFill>
         <p:spPr>
           <a:xfrm>
-            <a:off x="914400" y="1371600"/>
+            <a:off x="914400" y="457200"/>
             <a:ext cx="7315200" cy="3657600"/>
           </a:xfrm>
           <a:prstGeom prst="rect">
@@ -3639,7 +3639,7 @@
         </p:blipFill>
         <p:spPr>
           <a:xfrm>
-            <a:off x="914400" y="1371600"/>
+            <a:off x="914400" y="457200"/>
             <a:ext cx="7315200" cy="3657600"/>
           </a:xfrm>
           <a:prstGeom prst="rect">
@@ -3702,7 +3702,7 @@
         </p:blipFill>
         <p:spPr>
           <a:xfrm>
-            <a:off x="914400" y="1371600"/>
+            <a:off x="914400" y="457200"/>
             <a:ext cx="7315200" cy="3657600"/>
           </a:xfrm>
           <a:prstGeom prst="rect">
@@ -3765,7 +3765,7 @@
         </p:blipFill>
         <p:spPr>
           <a:xfrm>
-            <a:off x="914400" y="1371600"/>
+            <a:off x="914400" y="457200"/>
             <a:ext cx="7315200" cy="3657600"/>
           </a:xfrm>
           <a:prstGeom prst="rect">
@@ -3828,7 +3828,7 @@
         </p:blipFill>
         <p:spPr>
           <a:xfrm>
-            <a:off x="914400" y="1371600"/>
+            <a:off x="914400" y="457200"/>
             <a:ext cx="7315200" cy="3657600"/>
           </a:xfrm>
           <a:prstGeom prst="rect">
@@ -3891,7 +3891,7 @@
         </p:blipFill>
         <p:spPr>
           <a:xfrm>
-            <a:off x="914400" y="1371600"/>
+            <a:off x="914400" y="457200"/>
             <a:ext cx="7315200" cy="3657600"/>
           </a:xfrm>
           <a:prstGeom prst="rect">
@@ -3954,7 +3954,7 @@
         </p:blipFill>
         <p:spPr>
           <a:xfrm>
-            <a:off x="914400" y="1371600"/>
+            <a:off x="914400" y="457200"/>
             <a:ext cx="7315200" cy="3657600"/>
           </a:xfrm>
           <a:prstGeom prst="rect">

--- a/argentina_analysis_presentation.pptx
+++ b/argentina_analysis_presentation.pptx
@@ -3198,7 +3198,7 @@
         </p:blipFill>
         <p:spPr>
           <a:xfrm>
-            <a:off x="914400" y="457200"/>
+            <a:off x="914400" y="1371600"/>
             <a:ext cx="7315200" cy="3657600"/>
           </a:xfrm>
           <a:prstGeom prst="rect">
@@ -3261,7 +3261,7 @@
         </p:blipFill>
         <p:spPr>
           <a:xfrm>
-            <a:off x="914400" y="457200"/>
+            <a:off x="914400" y="1371600"/>
             <a:ext cx="7315200" cy="3657600"/>
           </a:xfrm>
           <a:prstGeom prst="rect">
@@ -3324,7 +3324,7 @@
         </p:blipFill>
         <p:spPr>
           <a:xfrm>
-            <a:off x="914400" y="457200"/>
+            <a:off x="914400" y="1371600"/>
             <a:ext cx="7315200" cy="3657600"/>
           </a:xfrm>
           <a:prstGeom prst="rect">
@@ -3387,7 +3387,7 @@
         </p:blipFill>
         <p:spPr>
           <a:xfrm>
-            <a:off x="914400" y="457200"/>
+            <a:off x="914400" y="1371600"/>
             <a:ext cx="7315200" cy="3657600"/>
           </a:xfrm>
           <a:prstGeom prst="rect">
@@ -3450,7 +3450,7 @@
         </p:blipFill>
         <p:spPr>
           <a:xfrm>
-            <a:off x="914400" y="457200"/>
+            <a:off x="914400" y="1371600"/>
             <a:ext cx="7315200" cy="3657600"/>
           </a:xfrm>
           <a:prstGeom prst="rect">
@@ -3513,7 +3513,7 @@
         </p:blipFill>
         <p:spPr>
           <a:xfrm>
-            <a:off x="914400" y="457200"/>
+            <a:off x="914400" y="1371600"/>
             <a:ext cx="7315200" cy="3657600"/>
           </a:xfrm>
           <a:prstGeom prst="rect">
@@ -3576,7 +3576,7 @@
         </p:blipFill>
         <p:spPr>
           <a:xfrm>
-            <a:off x="914400" y="457200"/>
+            <a:off x="914400" y="1371600"/>
             <a:ext cx="7315200" cy="3657600"/>
           </a:xfrm>
           <a:prstGeom prst="rect">
@@ -3639,7 +3639,7 @@
         </p:blipFill>
         <p:spPr>
           <a:xfrm>
-            <a:off x="914400" y="457200"/>
+            <a:off x="914400" y="1371600"/>
             <a:ext cx="7315200" cy="3657600"/>
           </a:xfrm>
           <a:prstGeom prst="rect">
@@ -3702,7 +3702,7 @@
         </p:blipFill>
         <p:spPr>
           <a:xfrm>
-            <a:off x="914400" y="457200"/>
+            <a:off x="914400" y="1371600"/>
             <a:ext cx="7315200" cy="3657600"/>
           </a:xfrm>
           <a:prstGeom prst="rect">
@@ -3765,7 +3765,7 @@
         </p:blipFill>
         <p:spPr>
           <a:xfrm>
-            <a:off x="914400" y="457200"/>
+            <a:off x="914400" y="1371600"/>
             <a:ext cx="7315200" cy="3657600"/>
           </a:xfrm>
           <a:prstGeom prst="rect">
@@ -3828,7 +3828,7 @@
         </p:blipFill>
         <p:spPr>
           <a:xfrm>
-            <a:off x="914400" y="457200"/>
+            <a:off x="914400" y="1371600"/>
             <a:ext cx="7315200" cy="3657600"/>
           </a:xfrm>
           <a:prstGeom prst="rect">
@@ -3891,7 +3891,7 @@
         </p:blipFill>
         <p:spPr>
           <a:xfrm>
-            <a:off x="914400" y="457200"/>
+            <a:off x="914400" y="1371600"/>
             <a:ext cx="7315200" cy="3657600"/>
           </a:xfrm>
           <a:prstGeom prst="rect">
@@ -3954,7 +3954,7 @@
         </p:blipFill>
         <p:spPr>
           <a:xfrm>
-            <a:off x="914400" y="457200"/>
+            <a:off x="914400" y="1371600"/>
             <a:ext cx="7315200" cy="3657600"/>
           </a:xfrm>
           <a:prstGeom prst="rect">

--- a/argentina_analysis_presentation.pptx
+++ b/argentina_analysis_presentation.pptx
@@ -3198,7 +3198,7 @@
         </p:blipFill>
         <p:spPr>
           <a:xfrm>
-            <a:off x="914400" y="1371600"/>
+            <a:off x="914400" y="2286000"/>
             <a:ext cx="7315200" cy="3657600"/>
           </a:xfrm>
           <a:prstGeom prst="rect">
@@ -3261,7 +3261,7 @@
         </p:blipFill>
         <p:spPr>
           <a:xfrm>
-            <a:off x="914400" y="1371600"/>
+            <a:off x="914400" y="2286000"/>
             <a:ext cx="7315200" cy="3657600"/>
           </a:xfrm>
           <a:prstGeom prst="rect">
@@ -3324,7 +3324,7 @@
         </p:blipFill>
         <p:spPr>
           <a:xfrm>
-            <a:off x="914400" y="1371600"/>
+            <a:off x="914400" y="2286000"/>
             <a:ext cx="7315200" cy="3657600"/>
           </a:xfrm>
           <a:prstGeom prst="rect">
@@ -3387,7 +3387,7 @@
         </p:blipFill>
         <p:spPr>
           <a:xfrm>
-            <a:off x="914400" y="1371600"/>
+            <a:off x="914400" y="2286000"/>
             <a:ext cx="7315200" cy="3657600"/>
           </a:xfrm>
           <a:prstGeom prst="rect">
@@ -3450,7 +3450,7 @@
         </p:blipFill>
         <p:spPr>
           <a:xfrm>
-            <a:off x="914400" y="1371600"/>
+            <a:off x="914400" y="2286000"/>
             <a:ext cx="7315200" cy="3657600"/>
           </a:xfrm>
           <a:prstGeom prst="rect">
@@ -3513,7 +3513,7 @@
         </p:blipFill>
         <p:spPr>
           <a:xfrm>
-            <a:off x="914400" y="1371600"/>
+            <a:off x="914400" y="2286000"/>
             <a:ext cx="7315200" cy="3657600"/>
           </a:xfrm>
           <a:prstGeom prst="rect">
@@ -3576,7 +3576,7 @@
         </p:blipFill>
         <p:spPr>
           <a:xfrm>
-            <a:off x="914400" y="1371600"/>
+            <a:off x="914400" y="2286000"/>
             <a:ext cx="7315200" cy="3657600"/>
           </a:xfrm>
           <a:prstGeom prst="rect">
@@ -3639,7 +3639,7 @@
         </p:blipFill>
         <p:spPr>
           <a:xfrm>
-            <a:off x="914400" y="1371600"/>
+            <a:off x="914400" y="2286000"/>
             <a:ext cx="7315200" cy="3657600"/>
           </a:xfrm>
           <a:prstGeom prst="rect">
@@ -3702,7 +3702,7 @@
         </p:blipFill>
         <p:spPr>
           <a:xfrm>
-            <a:off x="914400" y="1371600"/>
+            <a:off x="914400" y="2286000"/>
             <a:ext cx="7315200" cy="3657600"/>
           </a:xfrm>
           <a:prstGeom prst="rect">
@@ -3765,7 +3765,7 @@
         </p:blipFill>
         <p:spPr>
           <a:xfrm>
-            <a:off x="914400" y="1371600"/>
+            <a:off x="914400" y="2286000"/>
             <a:ext cx="7315200" cy="3657600"/>
           </a:xfrm>
           <a:prstGeom prst="rect">
@@ -3828,7 +3828,7 @@
         </p:blipFill>
         <p:spPr>
           <a:xfrm>
-            <a:off x="914400" y="1371600"/>
+            <a:off x="914400" y="2286000"/>
             <a:ext cx="7315200" cy="3657600"/>
           </a:xfrm>
           <a:prstGeom prst="rect">
@@ -3891,7 +3891,7 @@
         </p:blipFill>
         <p:spPr>
           <a:xfrm>
-            <a:off x="914400" y="1371600"/>
+            <a:off x="914400" y="2286000"/>
             <a:ext cx="7315200" cy="3657600"/>
           </a:xfrm>
           <a:prstGeom prst="rect">
@@ -3954,7 +3954,7 @@
         </p:blipFill>
         <p:spPr>
           <a:xfrm>
-            <a:off x="914400" y="1371600"/>
+            <a:off x="914400" y="2286000"/>
             <a:ext cx="7315200" cy="3657600"/>
           </a:xfrm>
           <a:prstGeom prst="rect">

--- a/argentina_analysis_presentation.pptx
+++ b/argentina_analysis_presentation.pptx
@@ -3198,7 +3198,7 @@
         </p:blipFill>
         <p:spPr>
           <a:xfrm>
-            <a:off x="914400" y="2286000"/>
+            <a:off x="914400" y="3657600"/>
             <a:ext cx="7315200" cy="3657600"/>
           </a:xfrm>
           <a:prstGeom prst="rect">
@@ -3261,7 +3261,7 @@
         </p:blipFill>
         <p:spPr>
           <a:xfrm>
-            <a:off x="914400" y="2286000"/>
+            <a:off x="914400" y="3657600"/>
             <a:ext cx="7315200" cy="3657600"/>
           </a:xfrm>
           <a:prstGeom prst="rect">
@@ -3324,7 +3324,7 @@
         </p:blipFill>
         <p:spPr>
           <a:xfrm>
-            <a:off x="914400" y="2286000"/>
+            <a:off x="914400" y="3657600"/>
             <a:ext cx="7315200" cy="3657600"/>
           </a:xfrm>
           <a:prstGeom prst="rect">
@@ -3387,7 +3387,7 @@
         </p:blipFill>
         <p:spPr>
           <a:xfrm>
-            <a:off x="914400" y="2286000"/>
+            <a:off x="914400" y="3657600"/>
             <a:ext cx="7315200" cy="3657600"/>
           </a:xfrm>
           <a:prstGeom prst="rect">
@@ -3450,7 +3450,7 @@
         </p:blipFill>
         <p:spPr>
           <a:xfrm>
-            <a:off x="914400" y="2286000"/>
+            <a:off x="914400" y="3657600"/>
             <a:ext cx="7315200" cy="3657600"/>
           </a:xfrm>
           <a:prstGeom prst="rect">
@@ -3513,7 +3513,7 @@
         </p:blipFill>
         <p:spPr>
           <a:xfrm>
-            <a:off x="914400" y="2286000"/>
+            <a:off x="914400" y="3657600"/>
             <a:ext cx="7315200" cy="3657600"/>
           </a:xfrm>
           <a:prstGeom prst="rect">
@@ -3576,7 +3576,7 @@
         </p:blipFill>
         <p:spPr>
           <a:xfrm>
-            <a:off x="914400" y="2286000"/>
+            <a:off x="914400" y="3657600"/>
             <a:ext cx="7315200" cy="3657600"/>
           </a:xfrm>
           <a:prstGeom prst="rect">
@@ -3639,7 +3639,7 @@
         </p:blipFill>
         <p:spPr>
           <a:xfrm>
-            <a:off x="914400" y="2286000"/>
+            <a:off x="914400" y="3657600"/>
             <a:ext cx="7315200" cy="3657600"/>
           </a:xfrm>
           <a:prstGeom prst="rect">
@@ -3702,7 +3702,7 @@
         </p:blipFill>
         <p:spPr>
           <a:xfrm>
-            <a:off x="914400" y="2286000"/>
+            <a:off x="914400" y="3657600"/>
             <a:ext cx="7315200" cy="3657600"/>
           </a:xfrm>
           <a:prstGeom prst="rect">
@@ -3765,7 +3765,7 @@
         </p:blipFill>
         <p:spPr>
           <a:xfrm>
-            <a:off x="914400" y="2286000"/>
+            <a:off x="914400" y="3657600"/>
             <a:ext cx="7315200" cy="3657600"/>
           </a:xfrm>
           <a:prstGeom prst="rect">
@@ -3828,7 +3828,7 @@
         </p:blipFill>
         <p:spPr>
           <a:xfrm>
-            <a:off x="914400" y="2286000"/>
+            <a:off x="914400" y="3657600"/>
             <a:ext cx="7315200" cy="3657600"/>
           </a:xfrm>
           <a:prstGeom prst="rect">
@@ -3891,7 +3891,7 @@
         </p:blipFill>
         <p:spPr>
           <a:xfrm>
-            <a:off x="914400" y="2286000"/>
+            <a:off x="914400" y="3657600"/>
             <a:ext cx="7315200" cy="3657600"/>
           </a:xfrm>
           <a:prstGeom prst="rect">
@@ -3954,7 +3954,7 @@
         </p:blipFill>
         <p:spPr>
           <a:xfrm>
-            <a:off x="914400" y="2286000"/>
+            <a:off x="914400" y="3657600"/>
             <a:ext cx="7315200" cy="3657600"/>
           </a:xfrm>
           <a:prstGeom prst="rect">

--- a/argentina_analysis_presentation.pptx
+++ b/argentina_analysis_presentation.pptx
@@ -3198,7 +3198,7 @@
         </p:blipFill>
         <p:spPr>
           <a:xfrm>
-            <a:off x="914400" y="3657600"/>
+            <a:off x="914400" y="2286000"/>
             <a:ext cx="7315200" cy="3657600"/>
           </a:xfrm>
           <a:prstGeom prst="rect">
@@ -3261,7 +3261,7 @@
         </p:blipFill>
         <p:spPr>
           <a:xfrm>
-            <a:off x="914400" y="3657600"/>
+            <a:off x="914400" y="2286000"/>
             <a:ext cx="7315200" cy="3657600"/>
           </a:xfrm>
           <a:prstGeom prst="rect">
@@ -3324,7 +3324,7 @@
         </p:blipFill>
         <p:spPr>
           <a:xfrm>
-            <a:off x="914400" y="3657600"/>
+            <a:off x="914400" y="2286000"/>
             <a:ext cx="7315200" cy="3657600"/>
           </a:xfrm>
           <a:prstGeom prst="rect">
@@ -3387,7 +3387,7 @@
         </p:blipFill>
         <p:spPr>
           <a:xfrm>
-            <a:off x="914400" y="3657600"/>
+            <a:off x="914400" y="2286000"/>
             <a:ext cx="7315200" cy="3657600"/>
           </a:xfrm>
           <a:prstGeom prst="rect">
@@ -3450,7 +3450,7 @@
         </p:blipFill>
         <p:spPr>
           <a:xfrm>
-            <a:off x="914400" y="3657600"/>
+            <a:off x="914400" y="2286000"/>
             <a:ext cx="7315200" cy="3657600"/>
           </a:xfrm>
           <a:prstGeom prst="rect">
@@ -3513,7 +3513,7 @@
         </p:blipFill>
         <p:spPr>
           <a:xfrm>
-            <a:off x="914400" y="3657600"/>
+            <a:off x="914400" y="2286000"/>
             <a:ext cx="7315200" cy="3657600"/>
           </a:xfrm>
           <a:prstGeom prst="rect">
@@ -3576,7 +3576,7 @@
         </p:blipFill>
         <p:spPr>
           <a:xfrm>
-            <a:off x="914400" y="3657600"/>
+            <a:off x="914400" y="2286000"/>
             <a:ext cx="7315200" cy="3657600"/>
           </a:xfrm>
           <a:prstGeom prst="rect">
@@ -3639,7 +3639,7 @@
         </p:blipFill>
         <p:spPr>
           <a:xfrm>
-            <a:off x="914400" y="3657600"/>
+            <a:off x="914400" y="2286000"/>
             <a:ext cx="7315200" cy="3657600"/>
           </a:xfrm>
           <a:prstGeom prst="rect">
@@ -3702,7 +3702,7 @@
         </p:blipFill>
         <p:spPr>
           <a:xfrm>
-            <a:off x="914400" y="3657600"/>
+            <a:off x="914400" y="2286000"/>
             <a:ext cx="7315200" cy="3657600"/>
           </a:xfrm>
           <a:prstGeom prst="rect">
@@ -3765,7 +3765,7 @@
         </p:blipFill>
         <p:spPr>
           <a:xfrm>
-            <a:off x="914400" y="3657600"/>
+            <a:off x="914400" y="2286000"/>
             <a:ext cx="7315200" cy="3657600"/>
           </a:xfrm>
           <a:prstGeom prst="rect">
@@ -3828,7 +3828,7 @@
         </p:blipFill>
         <p:spPr>
           <a:xfrm>
-            <a:off x="914400" y="3657600"/>
+            <a:off x="914400" y="2286000"/>
             <a:ext cx="7315200" cy="3657600"/>
           </a:xfrm>
           <a:prstGeom prst="rect">
@@ -3891,7 +3891,7 @@
         </p:blipFill>
         <p:spPr>
           <a:xfrm>
-            <a:off x="914400" y="3657600"/>
+            <a:off x="914400" y="2286000"/>
             <a:ext cx="7315200" cy="3657600"/>
           </a:xfrm>
           <a:prstGeom prst="rect">
@@ -3954,7 +3954,7 @@
         </p:blipFill>
         <p:spPr>
           <a:xfrm>
-            <a:off x="914400" y="3657600"/>
+            <a:off x="914400" y="2286000"/>
             <a:ext cx="7315200" cy="3657600"/>
           </a:xfrm>
           <a:prstGeom prst="rect">

--- a/argentina_analysis_presentation.pptx
+++ b/argentina_analysis_presentation.pptx
@@ -3198,7 +3198,7 @@
         </p:blipFill>
         <p:spPr>
           <a:xfrm>
-            <a:off x="914400" y="2286000"/>
+            <a:off x="914400" y="1600200"/>
             <a:ext cx="7315200" cy="3657600"/>
           </a:xfrm>
           <a:prstGeom prst="rect">
@@ -3261,7 +3261,7 @@
         </p:blipFill>
         <p:spPr>
           <a:xfrm>
-            <a:off x="914400" y="2286000"/>
+            <a:off x="914400" y="1600200"/>
             <a:ext cx="7315200" cy="3657600"/>
           </a:xfrm>
           <a:prstGeom prst="rect">
@@ -3324,7 +3324,7 @@
         </p:blipFill>
         <p:spPr>
           <a:xfrm>
-            <a:off x="914400" y="2286000"/>
+            <a:off x="914400" y="1600200"/>
             <a:ext cx="7315200" cy="3657600"/>
           </a:xfrm>
           <a:prstGeom prst="rect">
@@ -3387,7 +3387,7 @@
         </p:blipFill>
         <p:spPr>
           <a:xfrm>
-            <a:off x="914400" y="2286000"/>
+            <a:off x="914400" y="1600200"/>
             <a:ext cx="7315200" cy="3657600"/>
           </a:xfrm>
           <a:prstGeom prst="rect">
@@ -3450,7 +3450,7 @@
         </p:blipFill>
         <p:spPr>
           <a:xfrm>
-            <a:off x="914400" y="2286000"/>
+            <a:off x="914400" y="1600200"/>
             <a:ext cx="7315200" cy="3657600"/>
           </a:xfrm>
           <a:prstGeom prst="rect">
@@ -3513,7 +3513,7 @@
         </p:blipFill>
         <p:spPr>
           <a:xfrm>
-            <a:off x="914400" y="2286000"/>
+            <a:off x="914400" y="1600200"/>
             <a:ext cx="7315200" cy="3657600"/>
           </a:xfrm>
           <a:prstGeom prst="rect">
@@ -3576,7 +3576,7 @@
         </p:blipFill>
         <p:spPr>
           <a:xfrm>
-            <a:off x="914400" y="2286000"/>
+            <a:off x="914400" y="1600200"/>
             <a:ext cx="7315200" cy="3657600"/>
           </a:xfrm>
           <a:prstGeom prst="rect">
@@ -3639,7 +3639,7 @@
         </p:blipFill>
         <p:spPr>
           <a:xfrm>
-            <a:off x="914400" y="2286000"/>
+            <a:off x="914400" y="1600200"/>
             <a:ext cx="7315200" cy="3657600"/>
           </a:xfrm>
           <a:prstGeom prst="rect">
@@ -3702,7 +3702,7 @@
         </p:blipFill>
         <p:spPr>
           <a:xfrm>
-            <a:off x="914400" y="2286000"/>
+            <a:off x="914400" y="1600200"/>
             <a:ext cx="7315200" cy="3657600"/>
           </a:xfrm>
           <a:prstGeom prst="rect">
@@ -3765,7 +3765,7 @@
         </p:blipFill>
         <p:spPr>
           <a:xfrm>
-            <a:off x="914400" y="2286000"/>
+            <a:off x="914400" y="1600200"/>
             <a:ext cx="7315200" cy="3657600"/>
           </a:xfrm>
           <a:prstGeom prst="rect">
@@ -3828,7 +3828,7 @@
         </p:blipFill>
         <p:spPr>
           <a:xfrm>
-            <a:off x="914400" y="2286000"/>
+            <a:off x="914400" y="1600200"/>
             <a:ext cx="7315200" cy="3657600"/>
           </a:xfrm>
           <a:prstGeom prst="rect">
@@ -3891,7 +3891,7 @@
         </p:blipFill>
         <p:spPr>
           <a:xfrm>
-            <a:off x="914400" y="2286000"/>
+            <a:off x="914400" y="1600200"/>
             <a:ext cx="7315200" cy="3657600"/>
           </a:xfrm>
           <a:prstGeom prst="rect">
@@ -3954,7 +3954,7 @@
         </p:blipFill>
         <p:spPr>
           <a:xfrm>
-            <a:off x="914400" y="2286000"/>
+            <a:off x="914400" y="1600200"/>
             <a:ext cx="7315200" cy="3657600"/>
           </a:xfrm>
           <a:prstGeom prst="rect">

--- a/argentina_analysis_presentation.pptx
+++ b/argentina_analysis_presentation.pptx
@@ -3198,7 +3198,7 @@
         </p:blipFill>
         <p:spPr>
           <a:xfrm>
-            <a:off x="914400" y="1600200"/>
+            <a:off x="914400" y="1828800"/>
             <a:ext cx="7315200" cy="3657600"/>
           </a:xfrm>
           <a:prstGeom prst="rect">
@@ -3261,7 +3261,7 @@
         </p:blipFill>
         <p:spPr>
           <a:xfrm>
-            <a:off x="914400" y="1600200"/>
+            <a:off x="914400" y="1828800"/>
             <a:ext cx="7315200" cy="3657600"/>
           </a:xfrm>
           <a:prstGeom prst="rect">
@@ -3324,7 +3324,7 @@
         </p:blipFill>
         <p:spPr>
           <a:xfrm>
-            <a:off x="914400" y="1600200"/>
+            <a:off x="914400" y="1828800"/>
             <a:ext cx="7315200" cy="3657600"/>
           </a:xfrm>
           <a:prstGeom prst="rect">
@@ -3387,7 +3387,7 @@
         </p:blipFill>
         <p:spPr>
           <a:xfrm>
-            <a:off x="914400" y="1600200"/>
+            <a:off x="914400" y="1828800"/>
             <a:ext cx="7315200" cy="3657600"/>
           </a:xfrm>
           <a:prstGeom prst="rect">
@@ -3450,7 +3450,7 @@
         </p:blipFill>
         <p:spPr>
           <a:xfrm>
-            <a:off x="914400" y="1600200"/>
+            <a:off x="914400" y="1828800"/>
             <a:ext cx="7315200" cy="3657600"/>
           </a:xfrm>
           <a:prstGeom prst="rect">
@@ -3513,7 +3513,7 @@
         </p:blipFill>
         <p:spPr>
           <a:xfrm>
-            <a:off x="914400" y="1600200"/>
+            <a:off x="914400" y="1828800"/>
             <a:ext cx="7315200" cy="3657600"/>
           </a:xfrm>
           <a:prstGeom prst="rect">
@@ -3576,7 +3576,7 @@
         </p:blipFill>
         <p:spPr>
           <a:xfrm>
-            <a:off x="914400" y="1600200"/>
+            <a:off x="914400" y="1828800"/>
             <a:ext cx="7315200" cy="3657600"/>
           </a:xfrm>
           <a:prstGeom prst="rect">
@@ -3639,7 +3639,7 @@
         </p:blipFill>
         <p:spPr>
           <a:xfrm>
-            <a:off x="914400" y="1600200"/>
+            <a:off x="914400" y="1828800"/>
             <a:ext cx="7315200" cy="3657600"/>
           </a:xfrm>
           <a:prstGeom prst="rect">
@@ -3702,7 +3702,7 @@
         </p:blipFill>
         <p:spPr>
           <a:xfrm>
-            <a:off x="914400" y="1600200"/>
+            <a:off x="914400" y="1828800"/>
             <a:ext cx="7315200" cy="3657600"/>
           </a:xfrm>
           <a:prstGeom prst="rect">
@@ -3765,7 +3765,7 @@
         </p:blipFill>
         <p:spPr>
           <a:xfrm>
-            <a:off x="914400" y="1600200"/>
+            <a:off x="914400" y="1828800"/>
             <a:ext cx="7315200" cy="3657600"/>
           </a:xfrm>
           <a:prstGeom prst="rect">
@@ -3828,7 +3828,7 @@
         </p:blipFill>
         <p:spPr>
           <a:xfrm>
-            <a:off x="914400" y="1600200"/>
+            <a:off x="914400" y="1828800"/>
             <a:ext cx="7315200" cy="3657600"/>
           </a:xfrm>
           <a:prstGeom prst="rect">
@@ -3891,7 +3891,7 @@
         </p:blipFill>
         <p:spPr>
           <a:xfrm>
-            <a:off x="914400" y="1600200"/>
+            <a:off x="914400" y="1828800"/>
             <a:ext cx="7315200" cy="3657600"/>
           </a:xfrm>
           <a:prstGeom prst="rect">
@@ -3954,7 +3954,7 @@
         </p:blipFill>
         <p:spPr>
           <a:xfrm>
-            <a:off x="914400" y="1600200"/>
+            <a:off x="914400" y="1828800"/>
             <a:ext cx="7315200" cy="3657600"/>
           </a:xfrm>
           <a:prstGeom prst="rect">

--- a/argentina_analysis_presentation.pptx
+++ b/argentina_analysis_presentation.pptx
@@ -19,6 +19,8 @@
     <p:sldId id="267" r:id="rId18"/>
     <p:sldId id="268" r:id="rId19"/>
     <p:sldId id="269" r:id="rId20"/>
+    <p:sldId id="270" r:id="rId21"/>
+    <p:sldId id="271" r:id="rId22"/>
   </p:sldIdLst>
   <p:sldSz cx="9144000" cy="6858000" type="screen4x3"/>
   <p:notesSz cx="6858000" cy="9144000"/>
@@ -3177,14 +3179,14 @@
           <a:lstStyle/>
           <a:p>
             <a:r>
-              <a:t>Fertility Rate Over Time</a:t>
+              <a:t>Fiscal Deficit Lineplot</a:t>
             </a:r>
           </a:p>
         </p:txBody>
       </p:sp>
       <p:pic>
         <p:nvPicPr>
-          <p:cNvPr id="3" name="Picture 2" descr="fertility_rate_over_time.png"/>
+          <p:cNvPr id="3" name="Picture 2" descr="fiscal_deficit_lineplot.png"/>
           <p:cNvPicPr>
             <a:picLocks noChangeAspect="1"/>
           </p:cNvPicPr>
@@ -3240,14 +3242,14 @@
           <a:lstStyle/>
           <a:p>
             <a:r>
-              <a:t>Exchange Rate Over Time</a:t>
+              <a:t>Cumulative Fiscal Deficit Lineplot</a:t>
             </a:r>
           </a:p>
         </p:txBody>
       </p:sp>
       <p:pic>
         <p:nvPicPr>
-          <p:cNvPr id="3" name="Picture 2" descr="exchange_rate_over_time.png"/>
+          <p:cNvPr id="3" name="Picture 2" descr="cumulative_fiscal_deficit_lineplot.png"/>
           <p:cNvPicPr>
             <a:picLocks noChangeAspect="1"/>
           </p:cNvPicPr>
@@ -3303,14 +3305,14 @@
           <a:lstStyle/>
           <a:p>
             <a:r>
-              <a:t>Argentina Age Demographics Over Time</a:t>
+              <a:t>Fertility Rate Over Time</a:t>
             </a:r>
           </a:p>
         </p:txBody>
       </p:sp>
       <p:pic>
         <p:nvPicPr>
-          <p:cNvPr id="3" name="Picture 2" descr="argentina_age_demographics_over_time.png"/>
+          <p:cNvPr id="3" name="Picture 2" descr="fertility_rate_over_time.png"/>
           <p:cNvPicPr>
             <a:picLocks noChangeAspect="1"/>
           </p:cNvPicPr>
@@ -3366,14 +3368,14 @@
           <a:lstStyle/>
           <a:p>
             <a:r>
-              <a:t>Argentina General Population Data</a:t>
+              <a:t>Exchange Rate Over Time</a:t>
             </a:r>
           </a:p>
         </p:txBody>
       </p:sp>
       <p:pic>
         <p:nvPicPr>
-          <p:cNvPr id="3" name="Picture 2" descr="argentina_general_population_data.png"/>
+          <p:cNvPr id="3" name="Picture 2" descr="exchange_rate_over_time.png"/>
           <p:cNvPicPr>
             <a:picLocks noChangeAspect="1"/>
           </p:cNvPicPr>
@@ -3429,7 +3431,133 @@
           <a:lstStyle/>
           <a:p>
             <a:r>
-              <a:t>Export Percentage Of Gdp Over Time</a:t>
+              <a:t>Argentina Age Demographics Over Time</a:t>
+            </a:r>
+          </a:p>
+        </p:txBody>
+      </p:sp>
+      <p:pic>
+        <p:nvPicPr>
+          <p:cNvPr id="3" name="Picture 2" descr="argentina_age_demographics_over_time.png"/>
+          <p:cNvPicPr>
+            <a:picLocks noChangeAspect="1"/>
+          </p:cNvPicPr>
+          <p:nvPr/>
+        </p:nvPicPr>
+        <p:blipFill>
+          <a:blip r:embed="rId2"/>
+          <a:stretch>
+            <a:fillRect/>
+          </a:stretch>
+        </p:blipFill>
+        <p:spPr>
+          <a:xfrm>
+            <a:off x="914400" y="1828800"/>
+            <a:ext cx="7315200" cy="3657600"/>
+          </a:xfrm>
+          <a:prstGeom prst="rect">
+            <a:avLst/>
+          </a:prstGeom>
+        </p:spPr>
+      </p:pic>
+    </p:spTree>
+  </p:cSld>
+  <p:clrMapOvr>
+    <a:masterClrMapping/>
+  </p:clrMapOvr>
+</p:sld>
+</file>
+
+<file path=ppt/slides/slide15.xml><?xml version="1.0" encoding="utf-8"?>
+<p:sld xmlns:a="http://schemas.openxmlformats.org/drawingml/2006/main" xmlns:p="http://schemas.openxmlformats.org/presentationml/2006/main" xmlns:r="http://schemas.openxmlformats.org/officeDocument/2006/relationships">
+  <p:cSld>
+    <p:spTree>
+      <p:nvGrpSpPr>
+        <p:cNvPr id="1" name=""/>
+        <p:cNvGrpSpPr/>
+        <p:nvPr/>
+      </p:nvGrpSpPr>
+      <p:grpSpPr/>
+      <p:sp>
+        <p:nvSpPr>
+          <p:cNvPr id="2" name="Title 1"/>
+          <p:cNvSpPr>
+            <a:spLocks noGrp="1"/>
+          </p:cNvSpPr>
+          <p:nvPr>
+            <p:ph type="title"/>
+          </p:nvPr>
+        </p:nvSpPr>
+        <p:spPr/>
+        <p:txBody>
+          <a:bodyPr/>
+          <a:lstStyle/>
+          <a:p>
+            <a:r>
+              <a:t>Argentina General Population Data</a:t>
+            </a:r>
+          </a:p>
+        </p:txBody>
+      </p:sp>
+      <p:pic>
+        <p:nvPicPr>
+          <p:cNvPr id="3" name="Picture 2" descr="argentina_general_population_data.png"/>
+          <p:cNvPicPr>
+            <a:picLocks noChangeAspect="1"/>
+          </p:cNvPicPr>
+          <p:nvPr/>
+        </p:nvPicPr>
+        <p:blipFill>
+          <a:blip r:embed="rId2"/>
+          <a:stretch>
+            <a:fillRect/>
+          </a:stretch>
+        </p:blipFill>
+        <p:spPr>
+          <a:xfrm>
+            <a:off x="914400" y="1828800"/>
+            <a:ext cx="7315200" cy="3657600"/>
+          </a:xfrm>
+          <a:prstGeom prst="rect">
+            <a:avLst/>
+          </a:prstGeom>
+        </p:spPr>
+      </p:pic>
+    </p:spTree>
+  </p:cSld>
+  <p:clrMapOvr>
+    <a:masterClrMapping/>
+  </p:clrMapOvr>
+</p:sld>
+</file>
+
+<file path=ppt/slides/slide16.xml><?xml version="1.0" encoding="utf-8"?>
+<p:sld xmlns:a="http://schemas.openxmlformats.org/drawingml/2006/main" xmlns:p="http://schemas.openxmlformats.org/presentationml/2006/main" xmlns:r="http://schemas.openxmlformats.org/officeDocument/2006/relationships">
+  <p:cSld>
+    <p:spTree>
+      <p:nvGrpSpPr>
+        <p:cNvPr id="1" name=""/>
+        <p:cNvGrpSpPr/>
+        <p:nvPr/>
+      </p:nvGrpSpPr>
+      <p:grpSpPr/>
+      <p:sp>
+        <p:nvSpPr>
+          <p:cNvPr id="2" name="Title 1"/>
+          <p:cNvSpPr>
+            <a:spLocks noGrp="1"/>
+          </p:cNvSpPr>
+          <p:nvPr>
+            <p:ph type="title"/>
+          </p:nvPr>
+        </p:nvSpPr>
+        <p:spPr/>
+        <p:txBody>
+          <a:bodyPr/>
+          <a:lstStyle/>
+          <a:p>
+            <a:r>
+              <a:t>Export Percentage Of GDP Over Time</a:t>
             </a:r>
           </a:p>
         </p:txBody>
@@ -3490,37 +3618,57 @@
         <p:txBody>
           <a:bodyPr/>
           <a:lstStyle/>
-          <a:p>
-            <a:r>
-              <a:t>Cpi Display Lineplot</a:t>
-            </a:r>
-          </a:p>
-        </p:txBody>
-      </p:sp>
-      <p:pic>
-        <p:nvPicPr>
-          <p:cNvPr id="3" name="Picture 2" descr="cpi_display_lineplot.png"/>
-          <p:cNvPicPr>
-            <a:picLocks noChangeAspect="1"/>
-          </p:cNvPicPr>
+          <a:p/>
+        </p:txBody>
+      </p:sp>
+      <p:sp>
+        <p:nvSpPr>
+          <p:cNvPr id="3" name="TextBox 2"/>
+          <p:cNvSpPr txBox="1"/>
           <p:nvPr/>
-        </p:nvPicPr>
-        <p:blipFill>
-          <a:blip r:embed="rId2"/>
-          <a:stretch>
-            <a:fillRect/>
-          </a:stretch>
-        </p:blipFill>
+        </p:nvSpPr>
         <p:spPr>
           <a:xfrm>
-            <a:off x="914400" y="1828800"/>
-            <a:ext cx="7315200" cy="3657600"/>
+            <a:off x="914400" y="914400"/>
+            <a:ext cx="7315200" cy="5029200"/>
           </a:xfrm>
           <a:prstGeom prst="rect">
             <a:avLst/>
           </a:prstGeom>
+          <a:noFill/>
         </p:spPr>
-      </p:pic>
+        <p:txBody>
+          <a:bodyPr wrap="none">
+            <a:spAutoFit/>
+          </a:bodyPr>
+          <a:lstStyle/>
+          <a:p/>
+          <a:p>
+            <a:pPr algn="ctr">
+              <a:defRPr sz="2800" b="1">
+                <a:solidFill>
+                  <a:srgbClr val="000000"/>
+                </a:solidFill>
+              </a:defRPr>
+            </a:pPr>
+            <a:r>
+              <a:t>For where your treasure is, there your heart will be also.</a:t>
+            </a:r>
+          </a:p>
+          <a:p>
+            <a:pPr algn="ctr">
+              <a:defRPr sz="2400" i="1">
+                <a:solidFill>
+                  <a:srgbClr val="000000"/>
+                </a:solidFill>
+              </a:defRPr>
+            </a:pPr>
+            <a:r>
+              <a:t>Matthew 6:21</a:t>
+            </a:r>
+          </a:p>
+        </p:txBody>
+      </p:sp>
     </p:spTree>
   </p:cSld>
   <p:clrMapOvr>
@@ -3553,37 +3701,57 @@
         <p:txBody>
           <a:bodyPr/>
           <a:lstStyle/>
-          <a:p>
-            <a:r>
-              <a:t>Currency Valuation Over Time</a:t>
-            </a:r>
-          </a:p>
-        </p:txBody>
-      </p:sp>
-      <p:pic>
-        <p:nvPicPr>
-          <p:cNvPr id="3" name="Picture 2" descr="currency_valuation_over_time.png"/>
-          <p:cNvPicPr>
-            <a:picLocks noChangeAspect="1"/>
-          </p:cNvPicPr>
+          <a:p/>
+        </p:txBody>
+      </p:sp>
+      <p:sp>
+        <p:nvSpPr>
+          <p:cNvPr id="3" name="TextBox 2"/>
+          <p:cNvSpPr txBox="1"/>
           <p:nvPr/>
-        </p:nvPicPr>
-        <p:blipFill>
-          <a:blip r:embed="rId2"/>
-          <a:stretch>
-            <a:fillRect/>
-          </a:stretch>
-        </p:blipFill>
+        </p:nvSpPr>
         <p:spPr>
           <a:xfrm>
-            <a:off x="914400" y="1828800"/>
-            <a:ext cx="7315200" cy="3657600"/>
+            <a:off x="914400" y="914400"/>
+            <a:ext cx="7315200" cy="5029200"/>
           </a:xfrm>
           <a:prstGeom prst="rect">
             <a:avLst/>
           </a:prstGeom>
+          <a:noFill/>
         </p:spPr>
-      </p:pic>
+        <p:txBody>
+          <a:bodyPr wrap="none">
+            <a:spAutoFit/>
+          </a:bodyPr>
+          <a:lstStyle/>
+          <a:p/>
+          <a:p>
+            <a:pPr algn="ctr">
+              <a:defRPr sz="2800" b="1">
+                <a:solidFill>
+                  <a:srgbClr val="000000"/>
+                </a:solidFill>
+              </a:defRPr>
+            </a:pPr>
+            <a:r>
+              <a:t>The rich rule over the poor, and the borrower is slave to the lender.</a:t>
+            </a:r>
+          </a:p>
+          <a:p>
+            <a:pPr algn="ctr">
+              <a:defRPr sz="2400" i="1">
+                <a:solidFill>
+                  <a:srgbClr val="000000"/>
+                </a:solidFill>
+              </a:defRPr>
+            </a:pPr>
+            <a:r>
+              <a:t>Proverbs 22:7</a:t>
+            </a:r>
+          </a:p>
+        </p:txBody>
+      </p:sp>
     </p:spTree>
   </p:cSld>
   <p:clrMapOvr>
@@ -3618,14 +3786,14 @@
           <a:lstStyle/>
           <a:p>
             <a:r>
-              <a:t>Currency Valuation Over Time Excluding Argentina</a:t>
+              <a:t>CPI Display Lineplot</a:t>
             </a:r>
           </a:p>
         </p:txBody>
       </p:sp>
       <p:pic>
         <p:nvPicPr>
-          <p:cNvPr id="3" name="Picture 2" descr="currency_valuation_over_time_excluding_argentina.png"/>
+          <p:cNvPr id="3" name="Picture 2" descr="cpi_display_lineplot.png"/>
           <p:cNvPicPr>
             <a:picLocks noChangeAspect="1"/>
           </p:cNvPicPr>
@@ -3681,14 +3849,14 @@
           <a:lstStyle/>
           <a:p>
             <a:r>
-              <a:t>Household Purchasing Power In Argentina</a:t>
+              <a:t>Currency Valuation Over Time</a:t>
             </a:r>
           </a:p>
         </p:txBody>
       </p:sp>
       <p:pic>
         <p:nvPicPr>
-          <p:cNvPr id="3" name="Picture 2" descr="household_purchasing_power_in_argentina.png"/>
+          <p:cNvPr id="3" name="Picture 2" descr="currency_valuation_over_time.png"/>
           <p:cNvPicPr>
             <a:picLocks noChangeAspect="1"/>
           </p:cNvPicPr>
@@ -3744,14 +3912,14 @@
           <a:lstStyle/>
           <a:p>
             <a:r>
-              <a:t>Argentina Poverty Levels</a:t>
+              <a:t>Currency Valuation Over Time Excluding Argentina</a:t>
             </a:r>
           </a:p>
         </p:txBody>
       </p:sp>
       <p:pic>
         <p:nvPicPr>
-          <p:cNvPr id="3" name="Picture 2" descr="argentina_poverty_levels.png"/>
+          <p:cNvPr id="3" name="Picture 2" descr="currency_valuation_over_time_excluding_argentina.png"/>
           <p:cNvPicPr>
             <a:picLocks noChangeAspect="1"/>
           </p:cNvPicPr>
@@ -3807,14 +3975,14 @@
           <a:lstStyle/>
           <a:p>
             <a:r>
-              <a:t>Gross Domestic Weighted Inflation Lineplot</a:t>
+              <a:t>Household Purchasing Power In Argentina</a:t>
             </a:r>
           </a:p>
         </p:txBody>
       </p:sp>
       <p:pic>
         <p:nvPicPr>
-          <p:cNvPr id="3" name="Picture 2" descr="gross_domestic_weighted_inflation_lineplot.png"/>
+          <p:cNvPr id="3" name="Picture 2" descr="household_purchasing_power_in_argentina.png"/>
           <p:cNvPicPr>
             <a:picLocks noChangeAspect="1"/>
           </p:cNvPicPr>
@@ -3870,14 +4038,14 @@
           <a:lstStyle/>
           <a:p>
             <a:r>
-              <a:t>Fiscal Deficit Lineplot</a:t>
+              <a:t>Argentina Poverty Levels</a:t>
             </a:r>
           </a:p>
         </p:txBody>
       </p:sp>
       <p:pic>
         <p:nvPicPr>
-          <p:cNvPr id="3" name="Picture 2" descr="fiscal_deficit_lineplot.png"/>
+          <p:cNvPr id="3" name="Picture 2" descr="argentina_poverty_levels.png"/>
           <p:cNvPicPr>
             <a:picLocks noChangeAspect="1"/>
           </p:cNvPicPr>
@@ -3933,14 +4101,14 @@
           <a:lstStyle/>
           <a:p>
             <a:r>
-              <a:t>Cumulative Fiscal Deficit Lineplot</a:t>
+              <a:t>Gross Domestic Weighted Inflation Lineplot</a:t>
             </a:r>
           </a:p>
         </p:txBody>
       </p:sp>
       <p:pic>
         <p:nvPicPr>
-          <p:cNvPr id="3" name="Picture 2" descr="cumulative_fiscal_deficit_lineplot.png"/>
+          <p:cNvPr id="3" name="Picture 2" descr="gross_domestic_weighted_inflation_lineplot.png"/>
           <p:cNvPicPr>
             <a:picLocks noChangeAspect="1"/>
           </p:cNvPicPr>

--- a/argentina_analysis_presentation.pptx
+++ b/argentina_analysis_presentation.pptx
@@ -20,7 +20,6 @@
     <p:sldId id="268" r:id="rId19"/>
     <p:sldId id="269" r:id="rId20"/>
     <p:sldId id="270" r:id="rId21"/>
-    <p:sldId id="271" r:id="rId22"/>
   </p:sldIdLst>
   <p:sldSz cx="9144000" cy="6858000" type="screen4x3"/>
   <p:notesSz cx="6858000" cy="9144000"/>
@@ -3110,37 +3109,156 @@
             <a:spLocks noGrp="1"/>
           </p:cNvSpPr>
           <p:nvPr>
-            <p:ph type="ctrTitle"/>
-          </p:nvPr>
-        </p:nvSpPr>
-        <p:spPr/>
-        <p:txBody>
-          <a:bodyPr/>
-          <a:lstStyle/>
-          <a:p>
-            <a:r>
-              <a:t>Argentina Economic and Demographic Analysis</a:t>
-            </a:r>
-          </a:p>
-        </p:txBody>
-      </p:sp>
-      <p:sp>
-        <p:nvSpPr>
-          <p:cNvPr id="3" name="Subtitle 2"/>
-          <p:cNvSpPr>
-            <a:spLocks noGrp="1"/>
-          </p:cNvSpPr>
-          <p:nvPr>
-            <p:ph type="subTitle" idx="1"/>
-          </p:nvPr>
-        </p:nvSpPr>
-        <p:spPr/>
-        <p:txBody>
-          <a:bodyPr/>
-          <a:lstStyle/>
-          <a:p>
-            <a:r>
-              <a:t>Generated Visualizations</a:t>
+            <p:ph type="title"/>
+          </p:nvPr>
+        </p:nvSpPr>
+        <p:spPr/>
+        <p:txBody>
+          <a:bodyPr/>
+          <a:lstStyle/>
+          <a:p/>
+        </p:txBody>
+      </p:sp>
+      <p:sp>
+        <p:nvSpPr>
+          <p:cNvPr id="3" name="TextBox 2"/>
+          <p:cNvSpPr txBox="1"/>
+          <p:nvPr/>
+        </p:nvSpPr>
+        <p:spPr>
+          <a:xfrm>
+            <a:off x="914400" y="914400"/>
+            <a:ext cx="7315200" cy="5029200"/>
+          </a:xfrm>
+          <a:prstGeom prst="rect">
+            <a:avLst/>
+          </a:prstGeom>
+          <a:noFill/>
+        </p:spPr>
+        <p:txBody>
+          <a:bodyPr wrap="none">
+            <a:spAutoFit/>
+          </a:bodyPr>
+          <a:lstStyle/>
+          <a:p/>
+          <a:p>
+            <a:pPr algn="l">
+              <a:defRPr sz="2000" b="1">
+                <a:solidFill>
+                  <a:srgbClr val="000000"/>
+                </a:solidFill>
+              </a:defRPr>
+            </a:pPr>
+            <a:r>
+              <a:t>For where your treasure is, there your heart will be also.</a:t>
+            </a:r>
+          </a:p>
+          <a:p>
+            <a:pPr algn="r">
+              <a:defRPr sz="1600" i="1">
+                <a:solidFill>
+                  <a:srgbClr val="000000"/>
+                </a:solidFill>
+              </a:defRPr>
+            </a:pPr>
+            <a:r>
+              <a:t>Matthew 6:21</a:t>
+            </a:r>
+          </a:p>
+        </p:txBody>
+      </p:sp>
+      <p:sp>
+        <p:nvSpPr>
+          <p:cNvPr id="4" name="TextBox 3"/>
+          <p:cNvSpPr txBox="1"/>
+          <p:nvPr/>
+        </p:nvSpPr>
+        <p:spPr>
+          <a:xfrm>
+            <a:off x="914400" y="2286000"/>
+            <a:ext cx="7315200" cy="5029200"/>
+          </a:xfrm>
+          <a:prstGeom prst="rect">
+            <a:avLst/>
+          </a:prstGeom>
+          <a:noFill/>
+        </p:spPr>
+        <p:txBody>
+          <a:bodyPr wrap="none">
+            <a:spAutoFit/>
+          </a:bodyPr>
+          <a:lstStyle/>
+          <a:p/>
+          <a:p>
+            <a:pPr algn="l">
+              <a:defRPr sz="2000" b="1">
+                <a:solidFill>
+                  <a:srgbClr val="000000"/>
+                </a:solidFill>
+              </a:defRPr>
+            </a:pPr>
+            <a:r>
+              <a:t>The rich rule over the poor, and the borrower is slave to the lender.</a:t>
+            </a:r>
+          </a:p>
+          <a:p>
+            <a:pPr algn="r">
+              <a:defRPr sz="1600" i="1">
+                <a:solidFill>
+                  <a:srgbClr val="000000"/>
+                </a:solidFill>
+              </a:defRPr>
+            </a:pPr>
+            <a:r>
+              <a:t>Proverbs 22:7</a:t>
+            </a:r>
+          </a:p>
+        </p:txBody>
+      </p:sp>
+      <p:sp>
+        <p:nvSpPr>
+          <p:cNvPr id="5" name="TextBox 4"/>
+          <p:cNvSpPr txBox="1"/>
+          <p:nvPr/>
+        </p:nvSpPr>
+        <p:spPr>
+          <a:xfrm>
+            <a:off x="914400" y="3657600"/>
+            <a:ext cx="7315200" cy="5029200"/>
+          </a:xfrm>
+          <a:prstGeom prst="rect">
+            <a:avLst/>
+          </a:prstGeom>
+          <a:noFill/>
+        </p:spPr>
+        <p:txBody>
+          <a:bodyPr wrap="none">
+            <a:spAutoFit/>
+          </a:bodyPr>
+          <a:lstStyle/>
+          <a:p/>
+          <a:p>
+            <a:pPr algn="l">
+              <a:defRPr sz="2000" b="1">
+                <a:solidFill>
+                  <a:srgbClr val="000000"/>
+                </a:solidFill>
+              </a:defRPr>
+            </a:pPr>
+            <a:r>
+              <a:t>Honor the Lord with your wealth, with the firstfruits of all your crops.</a:t>
+            </a:r>
+          </a:p>
+          <a:p>
+            <a:pPr algn="r">
+              <a:defRPr sz="1600" i="1">
+                <a:solidFill>
+                  <a:srgbClr val="000000"/>
+                </a:solidFill>
+              </a:defRPr>
+            </a:pPr>
+            <a:r>
+              <a:t>Proverbs 3:9</a:t>
             </a:r>
           </a:p>
         </p:txBody>
@@ -3179,14 +3297,14 @@
           <a:lstStyle/>
           <a:p>
             <a:r>
-              <a:t>Fiscal Deficit Lineplot</a:t>
+              <a:t>Cumulative Fiscal Deficit Lineplot</a:t>
             </a:r>
           </a:p>
         </p:txBody>
       </p:sp>
       <p:pic>
         <p:nvPicPr>
-          <p:cNvPr id="3" name="Picture 2" descr="fiscal_deficit_lineplot.png"/>
+          <p:cNvPr id="3" name="Picture 2" descr="cumulative_fiscal_deficit_lineplot.png"/>
           <p:cNvPicPr>
             <a:picLocks noChangeAspect="1"/>
           </p:cNvPicPr>
@@ -3242,14 +3360,14 @@
           <a:lstStyle/>
           <a:p>
             <a:r>
-              <a:t>Cumulative Fiscal Deficit Lineplot</a:t>
+              <a:t>Fertility Rate Over Time</a:t>
             </a:r>
           </a:p>
         </p:txBody>
       </p:sp>
       <p:pic>
         <p:nvPicPr>
-          <p:cNvPr id="3" name="Picture 2" descr="cumulative_fiscal_deficit_lineplot.png"/>
+          <p:cNvPr id="3" name="Picture 2" descr="fertility_rate_over_time.png"/>
           <p:cNvPicPr>
             <a:picLocks noChangeAspect="1"/>
           </p:cNvPicPr>
@@ -3305,14 +3423,14 @@
           <a:lstStyle/>
           <a:p>
             <a:r>
-              <a:t>Fertility Rate Over Time</a:t>
+              <a:t>Exchange Rate Over Time</a:t>
             </a:r>
           </a:p>
         </p:txBody>
       </p:sp>
       <p:pic>
         <p:nvPicPr>
-          <p:cNvPr id="3" name="Picture 2" descr="fertility_rate_over_time.png"/>
+          <p:cNvPr id="3" name="Picture 2" descr="exchange_rate_over_time.png"/>
           <p:cNvPicPr>
             <a:picLocks noChangeAspect="1"/>
           </p:cNvPicPr>
@@ -3368,14 +3486,14 @@
           <a:lstStyle/>
           <a:p>
             <a:r>
-              <a:t>Exchange Rate Over Time</a:t>
+              <a:t>Argentina Age Demographics Over Time</a:t>
             </a:r>
           </a:p>
         </p:txBody>
       </p:sp>
       <p:pic>
         <p:nvPicPr>
-          <p:cNvPr id="3" name="Picture 2" descr="exchange_rate_over_time.png"/>
+          <p:cNvPr id="3" name="Picture 2" descr="argentina_age_demographics_over_time.png"/>
           <p:cNvPicPr>
             <a:picLocks noChangeAspect="1"/>
           </p:cNvPicPr>
@@ -3431,69 +3549,6 @@
           <a:lstStyle/>
           <a:p>
             <a:r>
-              <a:t>Argentina Age Demographics Over Time</a:t>
-            </a:r>
-          </a:p>
-        </p:txBody>
-      </p:sp>
-      <p:pic>
-        <p:nvPicPr>
-          <p:cNvPr id="3" name="Picture 2" descr="argentina_age_demographics_over_time.png"/>
-          <p:cNvPicPr>
-            <a:picLocks noChangeAspect="1"/>
-          </p:cNvPicPr>
-          <p:nvPr/>
-        </p:nvPicPr>
-        <p:blipFill>
-          <a:blip r:embed="rId2"/>
-          <a:stretch>
-            <a:fillRect/>
-          </a:stretch>
-        </p:blipFill>
-        <p:spPr>
-          <a:xfrm>
-            <a:off x="914400" y="1828800"/>
-            <a:ext cx="7315200" cy="3657600"/>
-          </a:xfrm>
-          <a:prstGeom prst="rect">
-            <a:avLst/>
-          </a:prstGeom>
-        </p:spPr>
-      </p:pic>
-    </p:spTree>
-  </p:cSld>
-  <p:clrMapOvr>
-    <a:masterClrMapping/>
-  </p:clrMapOvr>
-</p:sld>
-</file>
-
-<file path=ppt/slides/slide15.xml><?xml version="1.0" encoding="utf-8"?>
-<p:sld xmlns:a="http://schemas.openxmlformats.org/drawingml/2006/main" xmlns:p="http://schemas.openxmlformats.org/presentationml/2006/main" xmlns:r="http://schemas.openxmlformats.org/officeDocument/2006/relationships">
-  <p:cSld>
-    <p:spTree>
-      <p:nvGrpSpPr>
-        <p:cNvPr id="1" name=""/>
-        <p:cNvGrpSpPr/>
-        <p:nvPr/>
-      </p:nvGrpSpPr>
-      <p:grpSpPr/>
-      <p:sp>
-        <p:nvSpPr>
-          <p:cNvPr id="2" name="Title 1"/>
-          <p:cNvSpPr>
-            <a:spLocks noGrp="1"/>
-          </p:cNvSpPr>
-          <p:nvPr>
-            <p:ph type="title"/>
-          </p:nvPr>
-        </p:nvSpPr>
-        <p:spPr/>
-        <p:txBody>
-          <a:bodyPr/>
-          <a:lstStyle/>
-          <a:p>
-            <a:r>
               <a:t>Argentina General Population Data</a:t>
             </a:r>
           </a:p>
@@ -3531,7 +3586,7 @@
 </p:sld>
 </file>
 
-<file path=ppt/slides/slide16.xml><?xml version="1.0" encoding="utf-8"?>
+<file path=ppt/slides/slide15.xml><?xml version="1.0" encoding="utf-8"?>
 <p:sld xmlns:a="http://schemas.openxmlformats.org/drawingml/2006/main" xmlns:p="http://schemas.openxmlformats.org/presentationml/2006/main" xmlns:r="http://schemas.openxmlformats.org/officeDocument/2006/relationships">
   <p:cSld>
     <p:spTree>
@@ -3644,27 +3699,123 @@
           <a:lstStyle/>
           <a:p/>
           <a:p>
-            <a:pPr algn="ctr">
-              <a:defRPr sz="2800" b="1">
+            <a:pPr algn="l">
+              <a:defRPr sz="2000" b="1">
                 <a:solidFill>
                   <a:srgbClr val="000000"/>
                 </a:solidFill>
               </a:defRPr>
             </a:pPr>
             <a:r>
-              <a:t>For where your treasure is, there your heart will be also.</a:t>
-            </a:r>
-          </a:p>
-          <a:p>
-            <a:pPr algn="ctr">
-              <a:defRPr sz="2400" i="1">
+              <a:t>Keep your lives free from the love of money and be content with what you have, because God has said, 'Never will I leave you; never will I forsake you.'</a:t>
+            </a:r>
+          </a:p>
+          <a:p>
+            <a:pPr algn="r">
+              <a:defRPr sz="1600" i="1">
                 <a:solidFill>
                   <a:srgbClr val="000000"/>
                 </a:solidFill>
               </a:defRPr>
             </a:pPr>
             <a:r>
-              <a:t>Matthew 6:21</a:t>
+              <a:t>Hebrews 13:5</a:t>
+            </a:r>
+          </a:p>
+        </p:txBody>
+      </p:sp>
+      <p:sp>
+        <p:nvSpPr>
+          <p:cNvPr id="4" name="TextBox 3"/>
+          <p:cNvSpPr txBox="1"/>
+          <p:nvPr/>
+        </p:nvSpPr>
+        <p:spPr>
+          <a:xfrm>
+            <a:off x="914400" y="2286000"/>
+            <a:ext cx="7315200" cy="5029200"/>
+          </a:xfrm>
+          <a:prstGeom prst="rect">
+            <a:avLst/>
+          </a:prstGeom>
+          <a:noFill/>
+        </p:spPr>
+        <p:txBody>
+          <a:bodyPr wrap="none">
+            <a:spAutoFit/>
+          </a:bodyPr>
+          <a:lstStyle/>
+          <a:p/>
+          <a:p>
+            <a:pPr algn="l">
+              <a:defRPr sz="2000" b="1">
+                <a:solidFill>
+                  <a:srgbClr val="000000"/>
+                </a:solidFill>
+              </a:defRPr>
+            </a:pPr>
+            <a:r>
+              <a:t>One person gives freely, yet gains even more; another withholds unduly, but comes to poverty.</a:t>
+            </a:r>
+          </a:p>
+          <a:p>
+            <a:pPr algn="r">
+              <a:defRPr sz="1600" i="1">
+                <a:solidFill>
+                  <a:srgbClr val="000000"/>
+                </a:solidFill>
+              </a:defRPr>
+            </a:pPr>
+            <a:r>
+              <a:t>Proverbs 11:24</a:t>
+            </a:r>
+          </a:p>
+        </p:txBody>
+      </p:sp>
+      <p:sp>
+        <p:nvSpPr>
+          <p:cNvPr id="5" name="TextBox 4"/>
+          <p:cNvSpPr txBox="1"/>
+          <p:nvPr/>
+        </p:nvSpPr>
+        <p:spPr>
+          <a:xfrm>
+            <a:off x="914400" y="3657600"/>
+            <a:ext cx="7315200" cy="5029200"/>
+          </a:xfrm>
+          <a:prstGeom prst="rect">
+            <a:avLst/>
+          </a:prstGeom>
+          <a:noFill/>
+        </p:spPr>
+        <p:txBody>
+          <a:bodyPr wrap="none">
+            <a:spAutoFit/>
+          </a:bodyPr>
+          <a:lstStyle/>
+          <a:p/>
+          <a:p>
+            <a:pPr algn="l">
+              <a:defRPr sz="2000" b="1">
+                <a:solidFill>
+                  <a:srgbClr val="000000"/>
+                </a:solidFill>
+              </a:defRPr>
+            </a:pPr>
+            <a:r>
+              <a:t>Whoever loves money never has enough; whoever loves wealth is never satisfied with their income. This too is meaningless.</a:t>
+            </a:r>
+          </a:p>
+          <a:p>
+            <a:pPr algn="r">
+              <a:defRPr sz="1600" i="1">
+                <a:solidFill>
+                  <a:srgbClr val="000000"/>
+                </a:solidFill>
+              </a:defRPr>
+            </a:pPr>
+            <a:r>
+              <a:t>Ecclesiastes 5:10</a:t>
             </a:r>
           </a:p>
         </p:txBody>
@@ -3701,57 +3852,37 @@
         <p:txBody>
           <a:bodyPr/>
           <a:lstStyle/>
-          <a:p/>
-        </p:txBody>
-      </p:sp>
-      <p:sp>
-        <p:nvSpPr>
-          <p:cNvPr id="3" name="TextBox 2"/>
-          <p:cNvSpPr txBox="1"/>
+          <a:p>
+            <a:r>
+              <a:t>CPI Display Lineplot</a:t>
+            </a:r>
+          </a:p>
+        </p:txBody>
+      </p:sp>
+      <p:pic>
+        <p:nvPicPr>
+          <p:cNvPr id="3" name="Picture 2" descr="cpi_display_lineplot.png"/>
+          <p:cNvPicPr>
+            <a:picLocks noChangeAspect="1"/>
+          </p:cNvPicPr>
           <p:nvPr/>
-        </p:nvSpPr>
+        </p:nvPicPr>
+        <p:blipFill>
+          <a:blip r:embed="rId2"/>
+          <a:stretch>
+            <a:fillRect/>
+          </a:stretch>
+        </p:blipFill>
         <p:spPr>
           <a:xfrm>
-            <a:off x="914400" y="914400"/>
-            <a:ext cx="7315200" cy="5029200"/>
+            <a:off x="914400" y="1828800"/>
+            <a:ext cx="7315200" cy="3657600"/>
           </a:xfrm>
           <a:prstGeom prst="rect">
             <a:avLst/>
           </a:prstGeom>
-          <a:noFill/>
         </p:spPr>
-        <p:txBody>
-          <a:bodyPr wrap="none">
-            <a:spAutoFit/>
-          </a:bodyPr>
-          <a:lstStyle/>
-          <a:p/>
-          <a:p>
-            <a:pPr algn="ctr">
-              <a:defRPr sz="2800" b="1">
-                <a:solidFill>
-                  <a:srgbClr val="000000"/>
-                </a:solidFill>
-              </a:defRPr>
-            </a:pPr>
-            <a:r>
-              <a:t>The rich rule over the poor, and the borrower is slave to the lender.</a:t>
-            </a:r>
-          </a:p>
-          <a:p>
-            <a:pPr algn="ctr">
-              <a:defRPr sz="2400" i="1">
-                <a:solidFill>
-                  <a:srgbClr val="000000"/>
-                </a:solidFill>
-              </a:defRPr>
-            </a:pPr>
-            <a:r>
-              <a:t>Proverbs 22:7</a:t>
-            </a:r>
-          </a:p>
-        </p:txBody>
-      </p:sp>
+      </p:pic>
     </p:spTree>
   </p:cSld>
   <p:clrMapOvr>
@@ -3786,14 +3917,14 @@
           <a:lstStyle/>
           <a:p>
             <a:r>
-              <a:t>CPI Display Lineplot</a:t>
+              <a:t>Currency Valuation Over Time</a:t>
             </a:r>
           </a:p>
         </p:txBody>
       </p:sp>
       <p:pic>
         <p:nvPicPr>
-          <p:cNvPr id="3" name="Picture 2" descr="cpi_display_lineplot.png"/>
+          <p:cNvPr id="3" name="Picture 2" descr="currency_valuation_over_time.png"/>
           <p:cNvPicPr>
             <a:picLocks noChangeAspect="1"/>
           </p:cNvPicPr>
@@ -3849,14 +3980,14 @@
           <a:lstStyle/>
           <a:p>
             <a:r>
-              <a:t>Currency Valuation Over Time</a:t>
+              <a:t>Currency Valuation Over Time Excluding Argentina</a:t>
             </a:r>
           </a:p>
         </p:txBody>
       </p:sp>
       <p:pic>
         <p:nvPicPr>
-          <p:cNvPr id="3" name="Picture 2" descr="currency_valuation_over_time.png"/>
+          <p:cNvPr id="3" name="Picture 2" descr="currency_valuation_over_time_excluding_argentina.png"/>
           <p:cNvPicPr>
             <a:picLocks noChangeAspect="1"/>
           </p:cNvPicPr>
@@ -3912,14 +4043,14 @@
           <a:lstStyle/>
           <a:p>
             <a:r>
-              <a:t>Currency Valuation Over Time Excluding Argentina</a:t>
+              <a:t>Household Purchasing Power In Argentina</a:t>
             </a:r>
           </a:p>
         </p:txBody>
       </p:sp>
       <p:pic>
         <p:nvPicPr>
-          <p:cNvPr id="3" name="Picture 2" descr="currency_valuation_over_time_excluding_argentina.png"/>
+          <p:cNvPr id="3" name="Picture 2" descr="household_purchasing_power_in_argentina.png"/>
           <p:cNvPicPr>
             <a:picLocks noChangeAspect="1"/>
           </p:cNvPicPr>
@@ -3975,14 +4106,14 @@
           <a:lstStyle/>
           <a:p>
             <a:r>
-              <a:t>Household Purchasing Power In Argentina</a:t>
+              <a:t>Argentina Poverty Levels</a:t>
             </a:r>
           </a:p>
         </p:txBody>
       </p:sp>
       <p:pic>
         <p:nvPicPr>
-          <p:cNvPr id="3" name="Picture 2" descr="household_purchasing_power_in_argentina.png"/>
+          <p:cNvPr id="3" name="Picture 2" descr="argentina_poverty_levels.png"/>
           <p:cNvPicPr>
             <a:picLocks noChangeAspect="1"/>
           </p:cNvPicPr>
@@ -4038,14 +4169,14 @@
           <a:lstStyle/>
           <a:p>
             <a:r>
-              <a:t>Argentina Poverty Levels</a:t>
+              <a:t>Gross Domestic Weighted Inflation Lineplot</a:t>
             </a:r>
           </a:p>
         </p:txBody>
       </p:sp>
       <p:pic>
         <p:nvPicPr>
-          <p:cNvPr id="3" name="Picture 2" descr="argentina_poverty_levels.png"/>
+          <p:cNvPr id="3" name="Picture 2" descr="gross_domestic_weighted_inflation_lineplot.png"/>
           <p:cNvPicPr>
             <a:picLocks noChangeAspect="1"/>
           </p:cNvPicPr>
@@ -4101,14 +4232,14 @@
           <a:lstStyle/>
           <a:p>
             <a:r>
-              <a:t>Gross Domestic Weighted Inflation Lineplot</a:t>
+              <a:t>Fiscal Deficit Lineplot</a:t>
             </a:r>
           </a:p>
         </p:txBody>
       </p:sp>
       <p:pic>
         <p:nvPicPr>
-          <p:cNvPr id="3" name="Picture 2" descr="gross_domestic_weighted_inflation_lineplot.png"/>
+          <p:cNvPr id="3" name="Picture 2" descr="fiscal_deficit_lineplot.png"/>
           <p:cNvPicPr>
             <a:picLocks noChangeAspect="1"/>
           </p:cNvPicPr>

--- a/argentina_analysis_presentation.pptx
+++ b/argentina_analysis_presentation.pptx
@@ -20,6 +20,7 @@
     <p:sldId id="268" r:id="rId19"/>
     <p:sldId id="269" r:id="rId20"/>
     <p:sldId id="270" r:id="rId21"/>
+    <p:sldId id="271" r:id="rId22"/>
   </p:sldIdLst>
   <p:sldSz cx="9144000" cy="6858000" type="screen4x3"/>
   <p:notesSz cx="6858000" cy="9144000"/>
@@ -3109,156 +3110,37 @@
             <a:spLocks noGrp="1"/>
           </p:cNvSpPr>
           <p:nvPr>
-            <p:ph type="title"/>
-          </p:nvPr>
-        </p:nvSpPr>
-        <p:spPr/>
-        <p:txBody>
-          <a:bodyPr/>
-          <a:lstStyle/>
-          <a:p/>
-        </p:txBody>
-      </p:sp>
-      <p:sp>
-        <p:nvSpPr>
-          <p:cNvPr id="3" name="TextBox 2"/>
-          <p:cNvSpPr txBox="1"/>
-          <p:nvPr/>
-        </p:nvSpPr>
-        <p:spPr>
-          <a:xfrm>
-            <a:off x="914400" y="914400"/>
-            <a:ext cx="7315200" cy="5029200"/>
-          </a:xfrm>
-          <a:prstGeom prst="rect">
-            <a:avLst/>
-          </a:prstGeom>
-          <a:noFill/>
-        </p:spPr>
-        <p:txBody>
-          <a:bodyPr wrap="none">
-            <a:spAutoFit/>
-          </a:bodyPr>
-          <a:lstStyle/>
-          <a:p/>
-          <a:p>
-            <a:pPr algn="l">
-              <a:defRPr sz="2000" b="1">
-                <a:solidFill>
-                  <a:srgbClr val="000000"/>
-                </a:solidFill>
-              </a:defRPr>
-            </a:pPr>
-            <a:r>
-              <a:t>For where your treasure is, there your heart will be also.</a:t>
-            </a:r>
-          </a:p>
-          <a:p>
-            <a:pPr algn="r">
-              <a:defRPr sz="1600" i="1">
-                <a:solidFill>
-                  <a:srgbClr val="000000"/>
-                </a:solidFill>
-              </a:defRPr>
-            </a:pPr>
-            <a:r>
-              <a:t>Matthew 6:21</a:t>
-            </a:r>
-          </a:p>
-        </p:txBody>
-      </p:sp>
-      <p:sp>
-        <p:nvSpPr>
-          <p:cNvPr id="4" name="TextBox 3"/>
-          <p:cNvSpPr txBox="1"/>
-          <p:nvPr/>
-        </p:nvSpPr>
-        <p:spPr>
-          <a:xfrm>
-            <a:off x="914400" y="2286000"/>
-            <a:ext cx="7315200" cy="5029200"/>
-          </a:xfrm>
-          <a:prstGeom prst="rect">
-            <a:avLst/>
-          </a:prstGeom>
-          <a:noFill/>
-        </p:spPr>
-        <p:txBody>
-          <a:bodyPr wrap="none">
-            <a:spAutoFit/>
-          </a:bodyPr>
-          <a:lstStyle/>
-          <a:p/>
-          <a:p>
-            <a:pPr algn="l">
-              <a:defRPr sz="2000" b="1">
-                <a:solidFill>
-                  <a:srgbClr val="000000"/>
-                </a:solidFill>
-              </a:defRPr>
-            </a:pPr>
-            <a:r>
-              <a:t>The rich rule over the poor, and the borrower is slave to the lender.</a:t>
-            </a:r>
-          </a:p>
-          <a:p>
-            <a:pPr algn="r">
-              <a:defRPr sz="1600" i="1">
-                <a:solidFill>
-                  <a:srgbClr val="000000"/>
-                </a:solidFill>
-              </a:defRPr>
-            </a:pPr>
-            <a:r>
-              <a:t>Proverbs 22:7</a:t>
-            </a:r>
-          </a:p>
-        </p:txBody>
-      </p:sp>
-      <p:sp>
-        <p:nvSpPr>
-          <p:cNvPr id="5" name="TextBox 4"/>
-          <p:cNvSpPr txBox="1"/>
-          <p:nvPr/>
-        </p:nvSpPr>
-        <p:spPr>
-          <a:xfrm>
-            <a:off x="914400" y="3657600"/>
-            <a:ext cx="7315200" cy="5029200"/>
-          </a:xfrm>
-          <a:prstGeom prst="rect">
-            <a:avLst/>
-          </a:prstGeom>
-          <a:noFill/>
-        </p:spPr>
-        <p:txBody>
-          <a:bodyPr wrap="none">
-            <a:spAutoFit/>
-          </a:bodyPr>
-          <a:lstStyle/>
-          <a:p/>
-          <a:p>
-            <a:pPr algn="l">
-              <a:defRPr sz="2000" b="1">
-                <a:solidFill>
-                  <a:srgbClr val="000000"/>
-                </a:solidFill>
-              </a:defRPr>
-            </a:pPr>
-            <a:r>
-              <a:t>Honor the Lord with your wealth, with the firstfruits of all your crops.</a:t>
-            </a:r>
-          </a:p>
-          <a:p>
-            <a:pPr algn="r">
-              <a:defRPr sz="1600" i="1">
-                <a:solidFill>
-                  <a:srgbClr val="000000"/>
-                </a:solidFill>
-              </a:defRPr>
-            </a:pPr>
-            <a:r>
-              <a:t>Proverbs 3:9</a:t>
+            <p:ph type="ctrTitle"/>
+          </p:nvPr>
+        </p:nvSpPr>
+        <p:spPr/>
+        <p:txBody>
+          <a:bodyPr/>
+          <a:lstStyle/>
+          <a:p>
+            <a:r>
+              <a:t>Argentina Economic and Demographic Analysis</a:t>
+            </a:r>
+          </a:p>
+        </p:txBody>
+      </p:sp>
+      <p:sp>
+        <p:nvSpPr>
+          <p:cNvPr id="3" name="Subtitle 2"/>
+          <p:cNvSpPr>
+            <a:spLocks noGrp="1"/>
+          </p:cNvSpPr>
+          <p:nvPr>
+            <p:ph type="subTitle" idx="1"/>
+          </p:nvPr>
+        </p:nvSpPr>
+        <p:spPr/>
+        <p:txBody>
+          <a:bodyPr/>
+          <a:lstStyle/>
+          <a:p>
+            <a:r>
+              <a:t>Generated Visualizations</a:t>
             </a:r>
           </a:p>
         </p:txBody>
@@ -3297,14 +3179,14 @@
           <a:lstStyle/>
           <a:p>
             <a:r>
-              <a:t>Cumulative Fiscal Deficit Lineplot</a:t>
+              <a:t>Fiscal Deficit Lineplot</a:t>
             </a:r>
           </a:p>
         </p:txBody>
       </p:sp>
       <p:pic>
         <p:nvPicPr>
-          <p:cNvPr id="3" name="Picture 2" descr="cumulative_fiscal_deficit_lineplot.png"/>
+          <p:cNvPr id="3" name="Picture 2" descr="fiscal_deficit_lineplot.png"/>
           <p:cNvPicPr>
             <a:picLocks noChangeAspect="1"/>
           </p:cNvPicPr>
@@ -3360,14 +3242,14 @@
           <a:lstStyle/>
           <a:p>
             <a:r>
-              <a:t>Fertility Rate Over Time</a:t>
+              <a:t>Cumulative Fiscal Deficit Lineplot</a:t>
             </a:r>
           </a:p>
         </p:txBody>
       </p:sp>
       <p:pic>
         <p:nvPicPr>
-          <p:cNvPr id="3" name="Picture 2" descr="fertility_rate_over_time.png"/>
+          <p:cNvPr id="3" name="Picture 2" descr="cumulative_fiscal_deficit_lineplot.png"/>
           <p:cNvPicPr>
             <a:picLocks noChangeAspect="1"/>
           </p:cNvPicPr>
@@ -3423,14 +3305,14 @@
           <a:lstStyle/>
           <a:p>
             <a:r>
-              <a:t>Exchange Rate Over Time</a:t>
+              <a:t>Fertility Rate Over Time</a:t>
             </a:r>
           </a:p>
         </p:txBody>
       </p:sp>
       <p:pic>
         <p:nvPicPr>
-          <p:cNvPr id="3" name="Picture 2" descr="exchange_rate_over_time.png"/>
+          <p:cNvPr id="3" name="Picture 2" descr="fertility_rate_over_time.png"/>
           <p:cNvPicPr>
             <a:picLocks noChangeAspect="1"/>
           </p:cNvPicPr>
@@ -3486,14 +3368,14 @@
           <a:lstStyle/>
           <a:p>
             <a:r>
-              <a:t>Argentina Age Demographics Over Time</a:t>
+              <a:t>Exchange Rate Over Time</a:t>
             </a:r>
           </a:p>
         </p:txBody>
       </p:sp>
       <p:pic>
         <p:nvPicPr>
-          <p:cNvPr id="3" name="Picture 2" descr="argentina_age_demographics_over_time.png"/>
+          <p:cNvPr id="3" name="Picture 2" descr="exchange_rate_over_time.png"/>
           <p:cNvPicPr>
             <a:picLocks noChangeAspect="1"/>
           </p:cNvPicPr>
@@ -3549,6 +3431,69 @@
           <a:lstStyle/>
           <a:p>
             <a:r>
+              <a:t>Argentina Age Demographics Over Time</a:t>
+            </a:r>
+          </a:p>
+        </p:txBody>
+      </p:sp>
+      <p:pic>
+        <p:nvPicPr>
+          <p:cNvPr id="3" name="Picture 2" descr="argentina_age_demographics_over_time.png"/>
+          <p:cNvPicPr>
+            <a:picLocks noChangeAspect="1"/>
+          </p:cNvPicPr>
+          <p:nvPr/>
+        </p:nvPicPr>
+        <p:blipFill>
+          <a:blip r:embed="rId2"/>
+          <a:stretch>
+            <a:fillRect/>
+          </a:stretch>
+        </p:blipFill>
+        <p:spPr>
+          <a:xfrm>
+            <a:off x="914400" y="1828800"/>
+            <a:ext cx="7315200" cy="3657600"/>
+          </a:xfrm>
+          <a:prstGeom prst="rect">
+            <a:avLst/>
+          </a:prstGeom>
+        </p:spPr>
+      </p:pic>
+    </p:spTree>
+  </p:cSld>
+  <p:clrMapOvr>
+    <a:masterClrMapping/>
+  </p:clrMapOvr>
+</p:sld>
+</file>
+
+<file path=ppt/slides/slide15.xml><?xml version="1.0" encoding="utf-8"?>
+<p:sld xmlns:a="http://schemas.openxmlformats.org/drawingml/2006/main" xmlns:p="http://schemas.openxmlformats.org/presentationml/2006/main" xmlns:r="http://schemas.openxmlformats.org/officeDocument/2006/relationships">
+  <p:cSld>
+    <p:spTree>
+      <p:nvGrpSpPr>
+        <p:cNvPr id="1" name=""/>
+        <p:cNvGrpSpPr/>
+        <p:nvPr/>
+      </p:nvGrpSpPr>
+      <p:grpSpPr/>
+      <p:sp>
+        <p:nvSpPr>
+          <p:cNvPr id="2" name="Title 1"/>
+          <p:cNvSpPr>
+            <a:spLocks noGrp="1"/>
+          </p:cNvSpPr>
+          <p:nvPr>
+            <p:ph type="title"/>
+          </p:nvPr>
+        </p:nvSpPr>
+        <p:spPr/>
+        <p:txBody>
+          <a:bodyPr/>
+          <a:lstStyle/>
+          <a:p>
+            <a:r>
               <a:t>Argentina General Population Data</a:t>
             </a:r>
           </a:p>
@@ -3586,7 +3531,7 @@
 </p:sld>
 </file>
 
-<file path=ppt/slides/slide15.xml><?xml version="1.0" encoding="utf-8"?>
+<file path=ppt/slides/slide16.xml><?xml version="1.0" encoding="utf-8"?>
 <p:sld xmlns:a="http://schemas.openxmlformats.org/drawingml/2006/main" xmlns:p="http://schemas.openxmlformats.org/presentationml/2006/main" xmlns:r="http://schemas.openxmlformats.org/officeDocument/2006/relationships">
   <p:cSld>
     <p:spTree>
@@ -3707,7 +3652,7 @@
               </a:defRPr>
             </a:pPr>
             <a:r>
-              <a:t>Keep your lives free from the love of money and be content with what you have, because God has said, 'Never will I leave you; never will I forsake you.'</a:t>
+              <a:t>For where your treasure is, there your heart will be also.</a:t>
             </a:r>
           </a:p>
           <a:p>
@@ -3719,7 +3664,7 @@
               </a:defRPr>
             </a:pPr>
             <a:r>
-              <a:t>Hebrews 13:5</a:t>
+              <a:t>Matthew 6:21</a:t>
             </a:r>
           </a:p>
         </p:txBody>
@@ -3755,7 +3700,7 @@
               </a:defRPr>
             </a:pPr>
             <a:r>
-              <a:t>One person gives freely, yet gains even more; another withholds unduly, but comes to poverty.</a:t>
+              <a:t>The rich rule over the poor, and the borrower is slave to the lender.</a:t>
             </a:r>
           </a:p>
           <a:p>
@@ -3767,7 +3712,7 @@
               </a:defRPr>
             </a:pPr>
             <a:r>
-              <a:t>Proverbs 11:24</a:t>
+              <a:t>Proverbs 22:7</a:t>
             </a:r>
           </a:p>
         </p:txBody>
@@ -3803,7 +3748,7 @@
               </a:defRPr>
             </a:pPr>
             <a:r>
-              <a:t>Whoever loves money never has enough; whoever loves wealth is never satisfied with their income. This too is meaningless.</a:t>
+              <a:t>Honor the Lord with your wealth, with the firstfruits of all your crops.</a:t>
             </a:r>
           </a:p>
           <a:p>
@@ -3815,7 +3760,7 @@
               </a:defRPr>
             </a:pPr>
             <a:r>
-              <a:t>Ecclesiastes 5:10</a:t>
+              <a:t>Proverbs 3:9</a:t>
             </a:r>
           </a:p>
         </p:txBody>
@@ -3852,37 +3797,153 @@
         <p:txBody>
           <a:bodyPr/>
           <a:lstStyle/>
-          <a:p>
-            <a:r>
-              <a:t>CPI Display Lineplot</a:t>
-            </a:r>
-          </a:p>
-        </p:txBody>
-      </p:sp>
-      <p:pic>
-        <p:nvPicPr>
-          <p:cNvPr id="3" name="Picture 2" descr="cpi_display_lineplot.png"/>
-          <p:cNvPicPr>
-            <a:picLocks noChangeAspect="1"/>
-          </p:cNvPicPr>
+          <a:p/>
+        </p:txBody>
+      </p:sp>
+      <p:sp>
+        <p:nvSpPr>
+          <p:cNvPr id="3" name="TextBox 2"/>
+          <p:cNvSpPr txBox="1"/>
           <p:nvPr/>
-        </p:nvPicPr>
-        <p:blipFill>
-          <a:blip r:embed="rId2"/>
-          <a:stretch>
-            <a:fillRect/>
-          </a:stretch>
-        </p:blipFill>
+        </p:nvSpPr>
         <p:spPr>
           <a:xfrm>
-            <a:off x="914400" y="1828800"/>
-            <a:ext cx="7315200" cy="3657600"/>
+            <a:off x="914400" y="914400"/>
+            <a:ext cx="7315200" cy="5029200"/>
           </a:xfrm>
           <a:prstGeom prst="rect">
             <a:avLst/>
           </a:prstGeom>
+          <a:noFill/>
         </p:spPr>
-      </p:pic>
+        <p:txBody>
+          <a:bodyPr wrap="none">
+            <a:spAutoFit/>
+          </a:bodyPr>
+          <a:lstStyle/>
+          <a:p/>
+          <a:p>
+            <a:pPr algn="l">
+              <a:defRPr sz="2000" b="1">
+                <a:solidFill>
+                  <a:srgbClr val="000000"/>
+                </a:solidFill>
+              </a:defRPr>
+            </a:pPr>
+            <a:r>
+              <a:t>Keep your lives free from the love of money and be content with what you have, because God has said, 'Never will I leave you; never will I forsake you.'</a:t>
+            </a:r>
+          </a:p>
+          <a:p>
+            <a:pPr algn="r">
+              <a:defRPr sz="1600" i="1">
+                <a:solidFill>
+                  <a:srgbClr val="000000"/>
+                </a:solidFill>
+              </a:defRPr>
+            </a:pPr>
+            <a:r>
+              <a:t>Hebrews 13:5</a:t>
+            </a:r>
+          </a:p>
+        </p:txBody>
+      </p:sp>
+      <p:sp>
+        <p:nvSpPr>
+          <p:cNvPr id="4" name="TextBox 3"/>
+          <p:cNvSpPr txBox="1"/>
+          <p:nvPr/>
+        </p:nvSpPr>
+        <p:spPr>
+          <a:xfrm>
+            <a:off x="914400" y="2286000"/>
+            <a:ext cx="7315200" cy="5029200"/>
+          </a:xfrm>
+          <a:prstGeom prst="rect">
+            <a:avLst/>
+          </a:prstGeom>
+          <a:noFill/>
+        </p:spPr>
+        <p:txBody>
+          <a:bodyPr wrap="none">
+            <a:spAutoFit/>
+          </a:bodyPr>
+          <a:lstStyle/>
+          <a:p/>
+          <a:p>
+            <a:pPr algn="l">
+              <a:defRPr sz="2000" b="1">
+                <a:solidFill>
+                  <a:srgbClr val="000000"/>
+                </a:solidFill>
+              </a:defRPr>
+            </a:pPr>
+            <a:r>
+              <a:t>One person gives freely, yet gains even more; another withholds unduly, but comes to poverty.</a:t>
+            </a:r>
+          </a:p>
+          <a:p>
+            <a:pPr algn="r">
+              <a:defRPr sz="1600" i="1">
+                <a:solidFill>
+                  <a:srgbClr val="000000"/>
+                </a:solidFill>
+              </a:defRPr>
+            </a:pPr>
+            <a:r>
+              <a:t>Proverbs 11:24</a:t>
+            </a:r>
+          </a:p>
+        </p:txBody>
+      </p:sp>
+      <p:sp>
+        <p:nvSpPr>
+          <p:cNvPr id="5" name="TextBox 4"/>
+          <p:cNvSpPr txBox="1"/>
+          <p:nvPr/>
+        </p:nvSpPr>
+        <p:spPr>
+          <a:xfrm>
+            <a:off x="914400" y="3657600"/>
+            <a:ext cx="7315200" cy="5029200"/>
+          </a:xfrm>
+          <a:prstGeom prst="rect">
+            <a:avLst/>
+          </a:prstGeom>
+          <a:noFill/>
+        </p:spPr>
+        <p:txBody>
+          <a:bodyPr wrap="none">
+            <a:spAutoFit/>
+          </a:bodyPr>
+          <a:lstStyle/>
+          <a:p/>
+          <a:p>
+            <a:pPr algn="l">
+              <a:defRPr sz="2000" b="1">
+                <a:solidFill>
+                  <a:srgbClr val="000000"/>
+                </a:solidFill>
+              </a:defRPr>
+            </a:pPr>
+            <a:r>
+              <a:t>Whoever loves money never has enough; whoever loves wealth is never satisfied with their income. This too is meaningless.</a:t>
+            </a:r>
+          </a:p>
+          <a:p>
+            <a:pPr algn="r">
+              <a:defRPr sz="1600" i="1">
+                <a:solidFill>
+                  <a:srgbClr val="000000"/>
+                </a:solidFill>
+              </a:defRPr>
+            </a:pPr>
+            <a:r>
+              <a:t>Ecclesiastes 5:10</a:t>
+            </a:r>
+          </a:p>
+        </p:txBody>
+      </p:sp>
     </p:spTree>
   </p:cSld>
   <p:clrMapOvr>
@@ -3917,14 +3978,14 @@
           <a:lstStyle/>
           <a:p>
             <a:r>
-              <a:t>Currency Valuation Over Time</a:t>
+              <a:t>CPI Display Lineplot</a:t>
             </a:r>
           </a:p>
         </p:txBody>
       </p:sp>
       <p:pic>
         <p:nvPicPr>
-          <p:cNvPr id="3" name="Picture 2" descr="currency_valuation_over_time.png"/>
+          <p:cNvPr id="3" name="Picture 2" descr="cpi_display_lineplot.png"/>
           <p:cNvPicPr>
             <a:picLocks noChangeAspect="1"/>
           </p:cNvPicPr>
@@ -3980,14 +4041,14 @@
           <a:lstStyle/>
           <a:p>
             <a:r>
-              <a:t>Currency Valuation Over Time Excluding Argentina</a:t>
+              <a:t>Currency Valuation Over Time</a:t>
             </a:r>
           </a:p>
         </p:txBody>
       </p:sp>
       <p:pic>
         <p:nvPicPr>
-          <p:cNvPr id="3" name="Picture 2" descr="currency_valuation_over_time_excluding_argentina.png"/>
+          <p:cNvPr id="3" name="Picture 2" descr="currency_valuation_over_time.png"/>
           <p:cNvPicPr>
             <a:picLocks noChangeAspect="1"/>
           </p:cNvPicPr>
@@ -4043,14 +4104,14 @@
           <a:lstStyle/>
           <a:p>
             <a:r>
-              <a:t>Household Purchasing Power In Argentina</a:t>
+              <a:t>Currency Valuation Over Time Excluding Argentina</a:t>
             </a:r>
           </a:p>
         </p:txBody>
       </p:sp>
       <p:pic>
         <p:nvPicPr>
-          <p:cNvPr id="3" name="Picture 2" descr="household_purchasing_power_in_argentina.png"/>
+          <p:cNvPr id="3" name="Picture 2" descr="currency_valuation_over_time_excluding_argentina.png"/>
           <p:cNvPicPr>
             <a:picLocks noChangeAspect="1"/>
           </p:cNvPicPr>
@@ -4106,14 +4167,14 @@
           <a:lstStyle/>
           <a:p>
             <a:r>
-              <a:t>Argentina Poverty Levels</a:t>
+              <a:t>Household Purchasing Power In Argentina</a:t>
             </a:r>
           </a:p>
         </p:txBody>
       </p:sp>
       <p:pic>
         <p:nvPicPr>
-          <p:cNvPr id="3" name="Picture 2" descr="argentina_poverty_levels.png"/>
+          <p:cNvPr id="3" name="Picture 2" descr="household_purchasing_power_in_argentina.png"/>
           <p:cNvPicPr>
             <a:picLocks noChangeAspect="1"/>
           </p:cNvPicPr>
@@ -4169,14 +4230,14 @@
           <a:lstStyle/>
           <a:p>
             <a:r>
-              <a:t>Gross Domestic Weighted Inflation Lineplot</a:t>
+              <a:t>Argentina Poverty Levels</a:t>
             </a:r>
           </a:p>
         </p:txBody>
       </p:sp>
       <p:pic>
         <p:nvPicPr>
-          <p:cNvPr id="3" name="Picture 2" descr="gross_domestic_weighted_inflation_lineplot.png"/>
+          <p:cNvPr id="3" name="Picture 2" descr="argentina_poverty_levels.png"/>
           <p:cNvPicPr>
             <a:picLocks noChangeAspect="1"/>
           </p:cNvPicPr>
@@ -4232,14 +4293,14 @@
           <a:lstStyle/>
           <a:p>
             <a:r>
-              <a:t>Fiscal Deficit Lineplot</a:t>
+              <a:t>Gross Domestic Weighted Inflation Lineplot</a:t>
             </a:r>
           </a:p>
         </p:txBody>
       </p:sp>
       <p:pic>
         <p:nvPicPr>
-          <p:cNvPr id="3" name="Picture 2" descr="fiscal_deficit_lineplot.png"/>
+          <p:cNvPr id="3" name="Picture 2" descr="gross_domestic_weighted_inflation_lineplot.png"/>
           <p:cNvPicPr>
             <a:picLocks noChangeAspect="1"/>
           </p:cNvPicPr>

--- a/argentina_analysis_presentation.pptx
+++ b/argentina_analysis_presentation.pptx
@@ -3638,8 +3638,8 @@
           <a:noFill/>
         </p:spPr>
         <p:txBody>
-          <a:bodyPr wrap="none">
-            <a:spAutoFit/>
+          <a:bodyPr wrap="square">
+            <a:normAutofit/>
           </a:bodyPr>
           <a:lstStyle/>
           <a:p/>
@@ -3686,8 +3686,8 @@
           <a:noFill/>
         </p:spPr>
         <p:txBody>
-          <a:bodyPr wrap="none">
-            <a:spAutoFit/>
+          <a:bodyPr wrap="square">
+            <a:normAutofit/>
           </a:bodyPr>
           <a:lstStyle/>
           <a:p/>
@@ -3734,8 +3734,8 @@
           <a:noFill/>
         </p:spPr>
         <p:txBody>
-          <a:bodyPr wrap="none">
-            <a:spAutoFit/>
+          <a:bodyPr wrap="square">
+            <a:normAutofit/>
           </a:bodyPr>
           <a:lstStyle/>
           <a:p/>
@@ -3817,8 +3817,8 @@
           <a:noFill/>
         </p:spPr>
         <p:txBody>
-          <a:bodyPr wrap="none">
-            <a:spAutoFit/>
+          <a:bodyPr wrap="square">
+            <a:normAutofit/>
           </a:bodyPr>
           <a:lstStyle/>
           <a:p/>
@@ -3831,7 +3831,11 @@
               </a:defRPr>
             </a:pPr>
             <a:r>
-              <a:t>Keep your lives free from the love of money and be content with what you have, because God has said, 'Never will I leave you; never will I forsake you.'</a:t>
+              <a:t>Keep your lives free from the love of money and be content </a:t>
+            </a:r>
+            <a:br/>
+            <a:r>
+              <a:t> with what you have, because God has said, 'Never will I leave you; never will I forsake you.'</a:t>
             </a:r>
           </a:p>
           <a:p>
@@ -3865,8 +3869,8 @@
           <a:noFill/>
         </p:spPr>
         <p:txBody>
-          <a:bodyPr wrap="none">
-            <a:spAutoFit/>
+          <a:bodyPr wrap="square">
+            <a:normAutofit/>
           </a:bodyPr>
           <a:lstStyle/>
           <a:p/>
@@ -3879,7 +3883,11 @@
               </a:defRPr>
             </a:pPr>
             <a:r>
-              <a:t>One person gives freely, yet gains even more; another withholds unduly, but comes to poverty.</a:t>
+              <a:t>One person gives freely, yet gains even more; another withholds </a:t>
+            </a:r>
+            <a:br/>
+            <a:r>
+              <a:t> unduly, but comes to poverty.</a:t>
             </a:r>
           </a:p>
           <a:p>
@@ -3913,8 +3921,8 @@
           <a:noFill/>
         </p:spPr>
         <p:txBody>
-          <a:bodyPr wrap="none">
-            <a:spAutoFit/>
+          <a:bodyPr wrap="square">
+            <a:normAutofit/>
           </a:bodyPr>
           <a:lstStyle/>
           <a:p/>
@@ -3927,7 +3935,11 @@
               </a:defRPr>
             </a:pPr>
             <a:r>
-              <a:t>Whoever loves money never has enough; whoever loves wealth is never satisfied with their income. This too is meaningless.</a:t>
+              <a:t>Whoever loves money never has enough; whoever loves wealth is  </a:t>
+            </a:r>
+            <a:br/>
+            <a:r>
+              <a:t> never satisfied with their income. This too is meaningless.</a:t>
             </a:r>
           </a:p>
           <a:p>
